--- a/06-Memory Access/fopl-pres.pptx
+++ b/06-Memory Access/fopl-pres.pptx
@@ -4,6 +4,9 @@
   <p:sldMasterIdLst>
     <p:sldMasterId id="2147483648" r:id="rId1"/>
   </p:sldMasterIdLst>
+  <p:notesMasterIdLst>
+    <p:notesMasterId r:id="rId33"/>
+  </p:notesMasterIdLst>
   <p:sldIdLst>
     <p:sldId id="257" r:id="rId2"/>
     <p:sldId id="263" r:id="rId3"/>
@@ -30,11 +33,12 @@
     <p:sldId id="293" r:id="rId24"/>
     <p:sldId id="292" r:id="rId25"/>
     <p:sldId id="288" r:id="rId26"/>
-    <p:sldId id="283" r:id="rId27"/>
+    <p:sldId id="297" r:id="rId27"/>
     <p:sldId id="294" r:id="rId28"/>
-    <p:sldId id="296" r:id="rId29"/>
-    <p:sldId id="261" r:id="rId30"/>
-    <p:sldId id="268" r:id="rId31"/>
+    <p:sldId id="283" r:id="rId29"/>
+    <p:sldId id="296" r:id="rId30"/>
+    <p:sldId id="261" r:id="rId31"/>
+    <p:sldId id="268" r:id="rId32"/>
   </p:sldIdLst>
   <p:sldSz cx="12192000" cy="6858000"/>
   <p:notesSz cx="6858000" cy="9144000"/>
@@ -163,8 +167,9 @@
             <p14:sldId id="293"/>
             <p14:sldId id="292"/>
             <p14:sldId id="288"/>
+            <p14:sldId id="297"/>
+            <p14:sldId id="294"/>
             <p14:sldId id="283"/>
-            <p14:sldId id="294"/>
             <p14:sldId id="296"/>
             <p14:sldId id="261"/>
             <p14:sldId id="268"/>
@@ -185,6 +190,460 @@
     <p1510:client id="{373021EC-B474-42C2-971E-D80355F067E7}" v="8956" dt="2018-06-12T16:05:14.724"/>
   </p1510:revLst>
 </p1510:revInfo>
+</file>
+
+<file path=ppt/notesMasters/notesMaster1.xml><?xml version="1.0" encoding="utf-8"?>
+<p:notesMaster xmlns:a="http://schemas.openxmlformats.org/drawingml/2006/main" xmlns:r="http://schemas.openxmlformats.org/officeDocument/2006/relationships" xmlns:p="http://schemas.openxmlformats.org/presentationml/2006/main">
+  <p:cSld>
+    <p:bg>
+      <p:bgRef idx="1001">
+        <a:schemeClr val="bg1"/>
+      </p:bgRef>
+    </p:bg>
+    <p:spTree>
+      <p:nvGrpSpPr>
+        <p:cNvPr id="1" name=""/>
+        <p:cNvGrpSpPr/>
+        <p:nvPr/>
+      </p:nvGrpSpPr>
+      <p:grpSpPr>
+        <a:xfrm>
+          <a:off x="0" y="0"/>
+          <a:ext cx="0" cy="0"/>
+          <a:chOff x="0" y="0"/>
+          <a:chExt cx="0" cy="0"/>
+        </a:xfrm>
+      </p:grpSpPr>
+      <p:sp>
+        <p:nvSpPr>
+          <p:cNvPr id="2" name="Header Placeholder 1"/>
+          <p:cNvSpPr>
+            <a:spLocks noGrp="1"/>
+          </p:cNvSpPr>
+          <p:nvPr>
+            <p:ph type="hdr" sz="quarter"/>
+          </p:nvPr>
+        </p:nvSpPr>
+        <p:spPr>
+          <a:xfrm>
+            <a:off x="0" y="0"/>
+            <a:ext cx="2971800" cy="458788"/>
+          </a:xfrm>
+          <a:prstGeom prst="rect">
+            <a:avLst/>
+          </a:prstGeom>
+        </p:spPr>
+        <p:txBody>
+          <a:bodyPr vert="horz" lIns="91440" tIns="45720" rIns="91440" bIns="45720" rtlCol="0"/>
+          <a:lstStyle>
+            <a:lvl1pPr algn="l">
+              <a:defRPr sz="1200"/>
+            </a:lvl1pPr>
+          </a:lstStyle>
+          <a:p>
+            <a:endParaRPr lang="en-US"/>
+          </a:p>
+        </p:txBody>
+      </p:sp>
+      <p:sp>
+        <p:nvSpPr>
+          <p:cNvPr id="3" name="Date Placeholder 2"/>
+          <p:cNvSpPr>
+            <a:spLocks noGrp="1"/>
+          </p:cNvSpPr>
+          <p:nvPr>
+            <p:ph type="dt" idx="1"/>
+          </p:nvPr>
+        </p:nvSpPr>
+        <p:spPr>
+          <a:xfrm>
+            <a:off x="3884613" y="0"/>
+            <a:ext cx="2971800" cy="458788"/>
+          </a:xfrm>
+          <a:prstGeom prst="rect">
+            <a:avLst/>
+          </a:prstGeom>
+        </p:spPr>
+        <p:txBody>
+          <a:bodyPr vert="horz" lIns="91440" tIns="45720" rIns="91440" bIns="45720" rtlCol="0"/>
+          <a:lstStyle>
+            <a:lvl1pPr algn="r">
+              <a:defRPr sz="1200"/>
+            </a:lvl1pPr>
+          </a:lstStyle>
+          <a:p>
+            <a:fld id="{BE5718B2-A1DF-4491-B566-F9CCE433128C}" type="datetimeFigureOut">
+              <a:rPr lang="en-US" smtClean="0"/>
+              <a:t>6/13/2018</a:t>
+            </a:fld>
+            <a:endParaRPr lang="en-US"/>
+          </a:p>
+        </p:txBody>
+      </p:sp>
+      <p:sp>
+        <p:nvSpPr>
+          <p:cNvPr id="4" name="Slide Image Placeholder 3"/>
+          <p:cNvSpPr>
+            <a:spLocks noGrp="1" noRot="1" noChangeAspect="1"/>
+          </p:cNvSpPr>
+          <p:nvPr>
+            <p:ph type="sldImg" idx="2"/>
+          </p:nvPr>
+        </p:nvSpPr>
+        <p:spPr>
+          <a:xfrm>
+            <a:off x="685800" y="1143000"/>
+            <a:ext cx="5486400" cy="3086100"/>
+          </a:xfrm>
+          <a:prstGeom prst="rect">
+            <a:avLst/>
+          </a:prstGeom>
+          <a:noFill/>
+          <a:ln w="12700">
+            <a:solidFill>
+              <a:prstClr val="black"/>
+            </a:solidFill>
+          </a:ln>
+        </p:spPr>
+        <p:txBody>
+          <a:bodyPr vert="horz" lIns="91440" tIns="45720" rIns="91440" bIns="45720" rtlCol="0" anchor="ctr"/>
+          <a:lstStyle/>
+          <a:p>
+            <a:endParaRPr lang="en-US"/>
+          </a:p>
+        </p:txBody>
+      </p:sp>
+      <p:sp>
+        <p:nvSpPr>
+          <p:cNvPr id="5" name="Notes Placeholder 4"/>
+          <p:cNvSpPr>
+            <a:spLocks noGrp="1"/>
+          </p:cNvSpPr>
+          <p:nvPr>
+            <p:ph type="body" sz="quarter" idx="3"/>
+          </p:nvPr>
+        </p:nvSpPr>
+        <p:spPr>
+          <a:xfrm>
+            <a:off x="685800" y="4400550"/>
+            <a:ext cx="5486400" cy="3600450"/>
+          </a:xfrm>
+          <a:prstGeom prst="rect">
+            <a:avLst/>
+          </a:prstGeom>
+        </p:spPr>
+        <p:txBody>
+          <a:bodyPr vert="horz" lIns="91440" tIns="45720" rIns="91440" bIns="45720" rtlCol="0"/>
+          <a:lstStyle/>
+          <a:p>
+            <a:pPr lvl="0"/>
+            <a:r>
+              <a:rPr lang="en-US"/>
+              <a:t>Edit Master text styles</a:t>
+            </a:r>
+          </a:p>
+          <a:p>
+            <a:pPr lvl="1"/>
+            <a:r>
+              <a:rPr lang="en-US"/>
+              <a:t>Second level</a:t>
+            </a:r>
+          </a:p>
+          <a:p>
+            <a:pPr lvl="2"/>
+            <a:r>
+              <a:rPr lang="en-US"/>
+              <a:t>Third level</a:t>
+            </a:r>
+          </a:p>
+          <a:p>
+            <a:pPr lvl="3"/>
+            <a:r>
+              <a:rPr lang="en-US"/>
+              <a:t>Fourth level</a:t>
+            </a:r>
+          </a:p>
+          <a:p>
+            <a:pPr lvl="4"/>
+            <a:r>
+              <a:rPr lang="en-US"/>
+              <a:t>Fifth level</a:t>
+            </a:r>
+          </a:p>
+        </p:txBody>
+      </p:sp>
+      <p:sp>
+        <p:nvSpPr>
+          <p:cNvPr id="6" name="Footer Placeholder 5"/>
+          <p:cNvSpPr>
+            <a:spLocks noGrp="1"/>
+          </p:cNvSpPr>
+          <p:nvPr>
+            <p:ph type="ftr" sz="quarter" idx="4"/>
+          </p:nvPr>
+        </p:nvSpPr>
+        <p:spPr>
+          <a:xfrm>
+            <a:off x="0" y="8685213"/>
+            <a:ext cx="2971800" cy="458787"/>
+          </a:xfrm>
+          <a:prstGeom prst="rect">
+            <a:avLst/>
+          </a:prstGeom>
+        </p:spPr>
+        <p:txBody>
+          <a:bodyPr vert="horz" lIns="91440" tIns="45720" rIns="91440" bIns="45720" rtlCol="0" anchor="b"/>
+          <a:lstStyle>
+            <a:lvl1pPr algn="l">
+              <a:defRPr sz="1200"/>
+            </a:lvl1pPr>
+          </a:lstStyle>
+          <a:p>
+            <a:endParaRPr lang="en-US"/>
+          </a:p>
+        </p:txBody>
+      </p:sp>
+      <p:sp>
+        <p:nvSpPr>
+          <p:cNvPr id="7" name="Slide Number Placeholder 6"/>
+          <p:cNvSpPr>
+            <a:spLocks noGrp="1"/>
+          </p:cNvSpPr>
+          <p:nvPr>
+            <p:ph type="sldNum" sz="quarter" idx="5"/>
+          </p:nvPr>
+        </p:nvSpPr>
+        <p:spPr>
+          <a:xfrm>
+            <a:off x="3884613" y="8685213"/>
+            <a:ext cx="2971800" cy="458787"/>
+          </a:xfrm>
+          <a:prstGeom prst="rect">
+            <a:avLst/>
+          </a:prstGeom>
+        </p:spPr>
+        <p:txBody>
+          <a:bodyPr vert="horz" lIns="91440" tIns="45720" rIns="91440" bIns="45720" rtlCol="0" anchor="b"/>
+          <a:lstStyle>
+            <a:lvl1pPr algn="r">
+              <a:defRPr sz="1200"/>
+            </a:lvl1pPr>
+          </a:lstStyle>
+          <a:p>
+            <a:fld id="{906145D3-4912-4AAE-8FBD-8021E797A553}" type="slidenum">
+              <a:rPr lang="en-US" smtClean="0"/>
+              <a:t>‹#›</a:t>
+            </a:fld>
+            <a:endParaRPr lang="en-US"/>
+          </a:p>
+        </p:txBody>
+      </p:sp>
+    </p:spTree>
+    <p:extLst>
+      <p:ext uri="{BB962C8B-B14F-4D97-AF65-F5344CB8AC3E}">
+        <p14:creationId xmlns:p14="http://schemas.microsoft.com/office/powerpoint/2010/main" val="139331609"/>
+      </p:ext>
+    </p:extLst>
+  </p:cSld>
+  <p:clrMap bg1="lt1" tx1="dk1" bg2="lt2" tx2="dk2" accent1="accent1" accent2="accent2" accent3="accent3" accent4="accent4" accent5="accent5" accent6="accent6" hlink="hlink" folHlink="folHlink"/>
+  <p:notesStyle>
+    <a:lvl1pPr marL="0" algn="l" defTabSz="914400" rtl="0" eaLnBrk="1" latinLnBrk="0" hangingPunct="1">
+      <a:defRPr sz="1200" kern="1200">
+        <a:solidFill>
+          <a:schemeClr val="tx1"/>
+        </a:solidFill>
+        <a:latin typeface="+mn-lt"/>
+        <a:ea typeface="+mn-ea"/>
+        <a:cs typeface="+mn-cs"/>
+      </a:defRPr>
+    </a:lvl1pPr>
+    <a:lvl2pPr marL="457200" algn="l" defTabSz="914400" rtl="0" eaLnBrk="1" latinLnBrk="0" hangingPunct="1">
+      <a:defRPr sz="1200" kern="1200">
+        <a:solidFill>
+          <a:schemeClr val="tx1"/>
+        </a:solidFill>
+        <a:latin typeface="+mn-lt"/>
+        <a:ea typeface="+mn-ea"/>
+        <a:cs typeface="+mn-cs"/>
+      </a:defRPr>
+    </a:lvl2pPr>
+    <a:lvl3pPr marL="914400" algn="l" defTabSz="914400" rtl="0" eaLnBrk="1" latinLnBrk="0" hangingPunct="1">
+      <a:defRPr sz="1200" kern="1200">
+        <a:solidFill>
+          <a:schemeClr val="tx1"/>
+        </a:solidFill>
+        <a:latin typeface="+mn-lt"/>
+        <a:ea typeface="+mn-ea"/>
+        <a:cs typeface="+mn-cs"/>
+      </a:defRPr>
+    </a:lvl3pPr>
+    <a:lvl4pPr marL="1371600" algn="l" defTabSz="914400" rtl="0" eaLnBrk="1" latinLnBrk="0" hangingPunct="1">
+      <a:defRPr sz="1200" kern="1200">
+        <a:solidFill>
+          <a:schemeClr val="tx1"/>
+        </a:solidFill>
+        <a:latin typeface="+mn-lt"/>
+        <a:ea typeface="+mn-ea"/>
+        <a:cs typeface="+mn-cs"/>
+      </a:defRPr>
+    </a:lvl4pPr>
+    <a:lvl5pPr marL="1828800" algn="l" defTabSz="914400" rtl="0" eaLnBrk="1" latinLnBrk="0" hangingPunct="1">
+      <a:defRPr sz="1200" kern="1200">
+        <a:solidFill>
+          <a:schemeClr val="tx1"/>
+        </a:solidFill>
+        <a:latin typeface="+mn-lt"/>
+        <a:ea typeface="+mn-ea"/>
+        <a:cs typeface="+mn-cs"/>
+      </a:defRPr>
+    </a:lvl5pPr>
+    <a:lvl6pPr marL="2286000" algn="l" defTabSz="914400" rtl="0" eaLnBrk="1" latinLnBrk="0" hangingPunct="1">
+      <a:defRPr sz="1200" kern="1200">
+        <a:solidFill>
+          <a:schemeClr val="tx1"/>
+        </a:solidFill>
+        <a:latin typeface="+mn-lt"/>
+        <a:ea typeface="+mn-ea"/>
+        <a:cs typeface="+mn-cs"/>
+      </a:defRPr>
+    </a:lvl6pPr>
+    <a:lvl7pPr marL="2743200" algn="l" defTabSz="914400" rtl="0" eaLnBrk="1" latinLnBrk="0" hangingPunct="1">
+      <a:defRPr sz="1200" kern="1200">
+        <a:solidFill>
+          <a:schemeClr val="tx1"/>
+        </a:solidFill>
+        <a:latin typeface="+mn-lt"/>
+        <a:ea typeface="+mn-ea"/>
+        <a:cs typeface="+mn-cs"/>
+      </a:defRPr>
+    </a:lvl7pPr>
+    <a:lvl8pPr marL="3200400" algn="l" defTabSz="914400" rtl="0" eaLnBrk="1" latinLnBrk="0" hangingPunct="1">
+      <a:defRPr sz="1200" kern="1200">
+        <a:solidFill>
+          <a:schemeClr val="tx1"/>
+        </a:solidFill>
+        <a:latin typeface="+mn-lt"/>
+        <a:ea typeface="+mn-ea"/>
+        <a:cs typeface="+mn-cs"/>
+      </a:defRPr>
+    </a:lvl8pPr>
+    <a:lvl9pPr marL="3657600" algn="l" defTabSz="914400" rtl="0" eaLnBrk="1" latinLnBrk="0" hangingPunct="1">
+      <a:defRPr sz="1200" kern="1200">
+        <a:solidFill>
+          <a:schemeClr val="tx1"/>
+        </a:solidFill>
+        <a:latin typeface="+mn-lt"/>
+        <a:ea typeface="+mn-ea"/>
+        <a:cs typeface="+mn-cs"/>
+      </a:defRPr>
+    </a:lvl9pPr>
+  </p:notesStyle>
+</p:notesMaster>
+</file>
+
+<file path=ppt/notesSlides/notesSlide1.xml><?xml version="1.0" encoding="utf-8"?>
+<p:notes xmlns:a="http://schemas.openxmlformats.org/drawingml/2006/main" xmlns:r="http://schemas.openxmlformats.org/officeDocument/2006/relationships" xmlns:p="http://schemas.openxmlformats.org/presentationml/2006/main">
+  <p:cSld>
+    <p:spTree>
+      <p:nvGrpSpPr>
+        <p:cNvPr id="1" name=""/>
+        <p:cNvGrpSpPr/>
+        <p:nvPr/>
+      </p:nvGrpSpPr>
+      <p:grpSpPr>
+        <a:xfrm>
+          <a:off x="0" y="0"/>
+          <a:ext cx="0" cy="0"/>
+          <a:chOff x="0" y="0"/>
+          <a:chExt cx="0" cy="0"/>
+        </a:xfrm>
+      </p:grpSpPr>
+      <p:sp>
+        <p:nvSpPr>
+          <p:cNvPr id="2" name="Slide Image Placeholder 1"/>
+          <p:cNvSpPr>
+            <a:spLocks noGrp="1" noRot="1" noChangeAspect="1"/>
+          </p:cNvSpPr>
+          <p:nvPr>
+            <p:ph type="sldImg"/>
+          </p:nvPr>
+        </p:nvSpPr>
+        <p:spPr/>
+      </p:sp>
+      <p:sp>
+        <p:nvSpPr>
+          <p:cNvPr id="3" name="Notes Placeholder 2"/>
+          <p:cNvSpPr>
+            <a:spLocks noGrp="1"/>
+          </p:cNvSpPr>
+          <p:nvPr>
+            <p:ph type="body" idx="1"/>
+          </p:nvPr>
+        </p:nvSpPr>
+        <p:spPr/>
+        <p:txBody>
+          <a:bodyPr/>
+          <a:lstStyle/>
+          <a:p>
+            <a:r>
+              <a:rPr lang="en-US" altLang="zh-CN" dirty="0"/>
+              <a:t>Compiler:</a:t>
+            </a:r>
+          </a:p>
+          <a:p>
+            <a:r>
+              <a:rPr lang="en-US" dirty="0"/>
+              <a:t>	Optimization</a:t>
+            </a:r>
+          </a:p>
+          <a:p>
+            <a:r>
+              <a:rPr lang="en-US" dirty="0"/>
+              <a:t>Hardware:</a:t>
+            </a:r>
+          </a:p>
+          <a:p>
+            <a:r>
+              <a:rPr lang="en-US" dirty="0"/>
+              <a:t>	</a:t>
+            </a:r>
+          </a:p>
+        </p:txBody>
+      </p:sp>
+      <p:sp>
+        <p:nvSpPr>
+          <p:cNvPr id="4" name="Slide Number Placeholder 3"/>
+          <p:cNvSpPr>
+            <a:spLocks noGrp="1"/>
+          </p:cNvSpPr>
+          <p:nvPr>
+            <p:ph type="sldNum" sz="quarter" idx="10"/>
+          </p:nvPr>
+        </p:nvSpPr>
+        <p:spPr/>
+        <p:txBody>
+          <a:bodyPr/>
+          <a:lstStyle/>
+          <a:p>
+            <a:fld id="{906145D3-4912-4AAE-8FBD-8021E797A553}" type="slidenum">
+              <a:rPr lang="en-US" smtClean="0"/>
+              <a:t>2</a:t>
+            </a:fld>
+            <a:endParaRPr lang="en-US"/>
+          </a:p>
+        </p:txBody>
+      </p:sp>
+    </p:spTree>
+    <p:extLst>
+      <p:ext uri="{BB962C8B-B14F-4D97-AF65-F5344CB8AC3E}">
+        <p14:creationId xmlns:p14="http://schemas.microsoft.com/office/powerpoint/2010/main" val="4284621350"/>
+      </p:ext>
+    </p:extLst>
+  </p:cSld>
+  <p:clrMapOvr>
+    <a:masterClrMapping/>
+  </p:clrMapOvr>
+</p:notes>
 </file>
 
 <file path=ppt/slideLayouts/slideLayout1.xml><?xml version="1.0" encoding="utf-8"?>
@@ -413,7 +872,7 @@
           <a:p>
             <a:fld id="{4BDF68E2-58F2-4D09-BE8B-E3BD06533059}" type="datetimeFigureOut">
               <a:rPr lang="en-US" dirty="0"/>
-              <a:t>6/12/2018</a:t>
+              <a:t>6/13/2018</a:t>
             </a:fld>
             <a:endParaRPr lang="en-US" dirty="0"/>
           </a:p>
@@ -616,7 +1075,7 @@
           <a:p>
             <a:fld id="{2E2D6473-DF6D-4702-B328-E0DD40540A4E}" type="datetimeFigureOut">
               <a:rPr lang="en-US" dirty="0"/>
-              <a:t>6/12/2018</a:t>
+              <a:t>6/13/2018</a:t>
             </a:fld>
             <a:endParaRPr lang="en-US" dirty="0"/>
           </a:p>
@@ -867,7 +1326,7 @@
           <a:p>
             <a:fld id="{E26F7E3A-B166-407D-9866-32884E7D5B37}" type="datetimeFigureOut">
               <a:rPr lang="en-US" dirty="0"/>
-              <a:t>6/12/2018</a:t>
+              <a:t>6/13/2018</a:t>
             </a:fld>
             <a:endParaRPr lang="en-US" dirty="0"/>
           </a:p>
@@ -1036,7 +1495,7 @@
           <a:p>
             <a:fld id="{528FC5F6-F338-4AE4-BB23-26385BCFC423}" type="datetimeFigureOut">
               <a:rPr lang="en-US" dirty="0"/>
-              <a:t>6/12/2018</a:t>
+              <a:t>6/13/2018</a:t>
             </a:fld>
             <a:endParaRPr lang="en-US" dirty="0"/>
           </a:p>
@@ -1374,7 +1833,7 @@
           <a:p>
             <a:fld id="{20EBB0C4-6273-4C6E-B9BD-2EDC30F1CD52}" type="datetimeFigureOut">
               <a:rPr lang="en-US" dirty="0"/>
-              <a:t>6/12/2018</a:t>
+              <a:t>6/13/2018</a:t>
             </a:fld>
             <a:endParaRPr lang="en-US" dirty="0"/>
           </a:p>
@@ -1644,7 +2103,7 @@
           <a:p>
             <a:fld id="{19AB4D41-86C1-4908-B66A-0B50CEB3BF29}" type="datetimeFigureOut">
               <a:rPr lang="en-US" dirty="0"/>
-              <a:t>6/12/2018</a:t>
+              <a:t>6/13/2018</a:t>
             </a:fld>
             <a:endParaRPr lang="en-US" dirty="0"/>
           </a:p>
@@ -2018,7 +2477,7 @@
           <a:p>
             <a:fld id="{E6426E2C-56C1-4E0D-A793-0088A7FDD37E}" type="datetimeFigureOut">
               <a:rPr lang="en-US" dirty="0"/>
-              <a:t>6/12/2018</a:t>
+              <a:t>6/13/2018</a:t>
             </a:fld>
             <a:endParaRPr lang="en-US" dirty="0"/>
           </a:p>
@@ -2131,7 +2590,7 @@
           <a:p>
             <a:fld id="{C8C39B41-D8B5-4052-B551-9B5525EAA8B6}" type="datetimeFigureOut">
               <a:rPr lang="en-US" dirty="0"/>
-              <a:t>6/12/2018</a:t>
+              <a:t>6/13/2018</a:t>
             </a:fld>
             <a:endParaRPr lang="en-US" dirty="0"/>
           </a:p>
@@ -2297,7 +2756,7 @@
           <a:p>
             <a:fld id="{4D94136C-8742-45B2-AF27-D93DF72833A9}" type="datetimeFigureOut">
               <a:rPr lang="en-US" dirty="0"/>
-              <a:t>6/12/2018</a:t>
+              <a:t>6/13/2018</a:t>
             </a:fld>
             <a:endParaRPr lang="en-US" dirty="0"/>
           </a:p>
@@ -2647,7 +3106,7 @@
           <a:p>
             <a:fld id="{32ABBEA6-7C60-4B02-AE87-00D78D8422AF}" type="datetimeFigureOut">
               <a:rPr lang="en-US" dirty="0"/>
-              <a:t>6/12/2018</a:t>
+              <a:t>6/13/2018</a:t>
             </a:fld>
             <a:endParaRPr lang="en-US" dirty="0"/>
           </a:p>
@@ -3022,7 +3481,7 @@
           <a:p>
             <a:fld id="{C9CAD897-D46E-4AD2-BD9B-49DD3E640873}" type="datetimeFigureOut">
               <a:rPr lang="en-US" dirty="0"/>
-              <a:t>6/12/2018</a:t>
+              <a:t>6/13/2018</a:t>
             </a:fld>
             <a:endParaRPr lang="en-US" dirty="0"/>
           </a:p>
@@ -3304,7 +3763,7 @@
           <a:p>
             <a:fld id="{98624D31-43A5-475A-80CF-332C9F6DCF35}" type="datetimeFigureOut">
               <a:rPr lang="en-US" dirty="0"/>
-              <a:t>6/12/2018</a:t>
+              <a:t>6/13/2018</a:t>
             </a:fld>
             <a:endParaRPr lang="en-US" dirty="0"/>
           </a:p>
@@ -5015,13 +5474,10 @@
             <a:endParaRPr lang="en-US" dirty="0"/>
           </a:p>
           <a:p>
+            <a:pPr marL="0" indent="0">
+              <a:buNone/>
+            </a:pPr>
             <a:endParaRPr lang="en-US" dirty="0"/>
-          </a:p>
-          <a:p>
-            <a:r>
-              <a:rPr lang="en-US" dirty="0"/>
-              <a:t>As a result, extra care is needed to synchronize threads.</a:t>
-            </a:r>
           </a:p>
         </p:txBody>
       </p:sp>
@@ -5322,7 +5778,7 @@
           <a:p>
             <a:r>
               <a:rPr lang="en-US" dirty="0"/>
-              <a:t>Therefore, weak memory models resort to memory fences to ensure the consistency.</a:t>
+              <a:t>Therefore, weak memory models resort to barriers to ensure the consistency.</a:t>
             </a:r>
           </a:p>
           <a:p>
@@ -6831,7 +7287,7 @@
           <p:nvPr>
             <p:extLst>
               <p:ext uri="{D42A27DB-BD31-4B8C-83A1-F6EECF244321}">
-                <p14:modId xmlns:p14="http://schemas.microsoft.com/office/powerpoint/2010/main" val="468393019"/>
+                <p14:modId xmlns:p14="http://schemas.microsoft.com/office/powerpoint/2010/main" val="4239561458"/>
               </p:ext>
             </p:extLst>
           </p:nvPr>
@@ -7043,7 +7499,7 @@
                     <a:p>
                       <a:r>
                         <a:rPr lang="en-US" dirty="0"/>
-                        <a:t>Forbidden?: a = 1 &amp;&amp; b = 0</a:t>
+                        <a:t>Forbidden?: a == 1 &amp;&amp; b == 0</a:t>
                       </a:r>
                     </a:p>
                   </a:txBody>
@@ -7249,7 +7705,7 @@
           <p:nvPr>
             <p:extLst>
               <p:ext uri="{D42A27DB-BD31-4B8C-83A1-F6EECF244321}">
-                <p14:modId xmlns:p14="http://schemas.microsoft.com/office/powerpoint/2010/main" val="1322939566"/>
+                <p14:modId xmlns:p14="http://schemas.microsoft.com/office/powerpoint/2010/main" val="1970964712"/>
               </p:ext>
             </p:extLst>
           </p:nvPr>
@@ -7523,7 +7979,7 @@
                     <a:p>
                       <a:r>
                         <a:rPr lang="en-US" dirty="0"/>
-                        <a:t>Forbidden?: a = 1 &amp;&amp; b = 0</a:t>
+                        <a:t>Forbidden?: a == 1 &amp;&amp; b == 0</a:t>
                       </a:r>
                     </a:p>
                   </a:txBody>
@@ -7615,7 +8071,7 @@
           <p:nvPr>
             <p:extLst>
               <p:ext uri="{D42A27DB-BD31-4B8C-83A1-F6EECF244321}">
-                <p14:modId xmlns:p14="http://schemas.microsoft.com/office/powerpoint/2010/main" val="225026993"/>
+                <p14:modId xmlns:p14="http://schemas.microsoft.com/office/powerpoint/2010/main" val="2856798456"/>
               </p:ext>
             </p:extLst>
           </p:nvPr>
@@ -7869,7 +8325,7 @@
                       </a:pPr>
                       <a:r>
                         <a:rPr lang="en-US" dirty="0"/>
-                        <a:t>Forbidden: a = 1 &amp;&amp; b = 0</a:t>
+                        <a:t>Forbidden: a == 1 &amp;&amp; b == 0</a:t>
                       </a:r>
                     </a:p>
                   </a:txBody>
@@ -10202,7 +10658,7 @@
         </p:nvCxnSpPr>
         <p:spPr>
           <a:xfrm>
-            <a:off x="2062264" y="2424418"/>
+            <a:off x="2062264" y="2433296"/>
             <a:ext cx="2373549" cy="0"/>
           </a:xfrm>
           <a:prstGeom prst="straightConnector1">
@@ -11674,7 +12130,7 @@
           <p:cNvPr id="2" name="Title 1">
             <a:extLst>
               <a:ext uri="{FF2B5EF4-FFF2-40B4-BE49-F238E27FC236}">
-                <a16:creationId xmlns:a16="http://schemas.microsoft.com/office/drawing/2014/main" id="{6D257F30-8475-487F-A3F9-09D3111B71A5}"/>
+                <a16:creationId xmlns:a16="http://schemas.microsoft.com/office/drawing/2014/main" id="{27E8F7BB-779B-4F4C-B412-298F55922EA0}"/>
               </a:ext>
             </a:extLst>
           </p:cNvPr>
@@ -11702,7 +12158,7 @@
           <p:cNvPr id="3" name="Content Placeholder 2">
             <a:extLst>
               <a:ext uri="{FF2B5EF4-FFF2-40B4-BE49-F238E27FC236}">
-                <a16:creationId xmlns:a16="http://schemas.microsoft.com/office/drawing/2014/main" id="{C34BB083-E63C-4EEF-82D4-F6FAD5F88788}"/>
+                <a16:creationId xmlns:a16="http://schemas.microsoft.com/office/drawing/2014/main" id="{5265925E-355D-41B8-BEB1-36E85B48921D}"/>
               </a:ext>
             </a:extLst>
           </p:cNvPr>
@@ -11715,8 +12171,8 @@
         </p:nvSpPr>
         <p:spPr>
           <a:xfrm>
-            <a:off x="1097280" y="3278220"/>
-            <a:ext cx="10058400" cy="2590873"/>
+            <a:off x="1097280" y="3737499"/>
+            <a:ext cx="10058400" cy="2131594"/>
           </a:xfrm>
         </p:spPr>
         <p:txBody>
@@ -11725,42 +12181,7 @@
           <a:p>
             <a:r>
               <a:rPr lang="en-US" dirty="0"/>
-              <a:t>C/C++11 requires x :=</a:t>
-            </a:r>
-            <a:r>
-              <a:rPr lang="en-US" baseline="-25000" dirty="0" err="1"/>
-              <a:t>sc</a:t>
-            </a:r>
-            <a:r>
-              <a:rPr lang="en-US" dirty="0"/>
-              <a:t> 1 precedes b := </a:t>
-            </a:r>
-            <a:r>
-              <a:rPr lang="en-US" dirty="0" err="1"/>
-              <a:t>fetch_add</a:t>
-            </a:r>
-            <a:r>
-              <a:rPr lang="en-US" dirty="0"/>
-              <a:t>(y)</a:t>
-            </a:r>
-            <a:r>
-              <a:rPr lang="en-US" baseline="-25000" dirty="0" err="1"/>
-              <a:t>sc</a:t>
-            </a:r>
-            <a:r>
-              <a:rPr lang="en-US" baseline="-25000" dirty="0"/>
-              <a:t> </a:t>
-            </a:r>
-            <a:r>
-              <a:rPr lang="en-US" dirty="0"/>
-              <a:t> in total store order,</a:t>
-            </a:r>
-            <a:endParaRPr lang="en-US" baseline="-25000" dirty="0"/>
-          </a:p>
-          <a:p>
-            <a:r>
-              <a:rPr lang="en-US" dirty="0"/>
-              <a:t>But a </a:t>
+              <a:t>The </a:t>
             </a:r>
             <a:r>
               <a:rPr lang="en-US" dirty="0" err="1"/>
@@ -11768,60 +12189,34 @@
             </a:r>
             <a:r>
               <a:rPr lang="en-US" dirty="0"/>
-              <a:t> between x :=</a:t>
-            </a:r>
-            <a:r>
-              <a:rPr lang="en-US" baseline="-25000" dirty="0" err="1"/>
-              <a:t>sc</a:t>
-            </a:r>
-            <a:r>
-              <a:rPr lang="en-US" baseline="-25000" dirty="0"/>
-              <a:t>   </a:t>
-            </a:r>
-            <a:r>
-              <a:rPr lang="en-US" dirty="0"/>
-              <a:t>1</a:t>
-            </a:r>
-            <a:r>
-              <a:rPr lang="en-US" baseline="-25000" dirty="0"/>
-              <a:t> </a:t>
-            </a:r>
-            <a:r>
-              <a:rPr lang="en-US" dirty="0"/>
-              <a:t>and y :=</a:t>
-            </a:r>
-            <a:r>
-              <a:rPr lang="en-US" baseline="-25000" dirty="0" err="1"/>
-              <a:t>rel</a:t>
-            </a:r>
-            <a:r>
-              <a:rPr lang="en-US" baseline="-25000" dirty="0"/>
-              <a:t>   </a:t>
-            </a:r>
-            <a:r>
-              <a:rPr lang="en-US" dirty="0"/>
-              <a:t>1 cannot ensure it.</a:t>
+              <a:t> between x = 1 and y = 1 is so weak that it does not have the ability to make x=1 visible to thread 2. </a:t>
             </a:r>
           </a:p>
         </p:txBody>
       </p:sp>
       <p:graphicFrame>
         <p:nvGraphicFramePr>
-          <p:cNvPr id="21" name="Content Placeholder 3">
+          <p:cNvPr id="4" name="Content Placeholder 3">
             <a:extLst>
               <a:ext uri="{FF2B5EF4-FFF2-40B4-BE49-F238E27FC236}">
-                <a16:creationId xmlns:a16="http://schemas.microsoft.com/office/drawing/2014/main" id="{C0E82213-6A98-43F0-B7C7-C3F9A08B5DFD}"/>
+                <a16:creationId xmlns:a16="http://schemas.microsoft.com/office/drawing/2014/main" id="{5427350E-F30C-4CDD-860C-C37D81704696}"/>
               </a:ext>
             </a:extLst>
           </p:cNvPr>
           <p:cNvGraphicFramePr>
             <a:graphicFrameLocks/>
           </p:cNvGraphicFramePr>
-          <p:nvPr/>
+          <p:nvPr>
+            <p:extLst>
+              <p:ext uri="{D42A27DB-BD31-4B8C-83A1-F6EECF244321}">
+                <p14:modId xmlns:p14="http://schemas.microsoft.com/office/powerpoint/2010/main" val="1459989068"/>
+              </p:ext>
+            </p:extLst>
+          </p:nvPr>
         </p:nvGraphicFramePr>
         <p:xfrm>
           <a:off x="1097279" y="1826843"/>
-          <a:ext cx="9967800" cy="1112520"/>
+          <a:ext cx="9967800" cy="1483360"/>
         </p:xfrm>
         <a:graphic>
           <a:graphicData uri="http://schemas.openxmlformats.org/drawingml/2006/table">
@@ -11906,19 +12301,7 @@
                     <a:p>
                       <a:r>
                         <a:rPr lang="en-US" dirty="0"/>
-                        <a:t>x :=</a:t>
-                      </a:r>
-                      <a:r>
-                        <a:rPr lang="en-US" baseline="-25000" dirty="0" err="1"/>
-                        <a:t>sc</a:t>
-                      </a:r>
-                      <a:r>
-                        <a:rPr lang="en-US" baseline="-25000" dirty="0"/>
-                        <a:t>   </a:t>
-                      </a:r>
-                      <a:r>
-                        <a:rPr lang="en-US" baseline="0" dirty="0"/>
-                        <a:t>1</a:t>
+                        <a:t>x = 1</a:t>
                       </a:r>
                       <a:endParaRPr lang="en-US" baseline="-25000" dirty="0"/>
                     </a:p>
@@ -11932,7 +12315,7 @@
                     <a:p>
                       <a:r>
                         <a:rPr lang="en-US" dirty="0"/>
-                        <a:t>b :=</a:t>
+                        <a:t>b =</a:t>
                       </a:r>
                       <a:r>
                         <a:rPr lang="en-US" baseline="-25000" dirty="0"/>
@@ -11946,10 +12329,6 @@
                         <a:rPr lang="en-US" baseline="0" dirty="0"/>
                         <a:t>(y)</a:t>
                       </a:r>
-                      <a:r>
-                        <a:rPr lang="en-US" baseline="-25000" dirty="0" err="1"/>
-                        <a:t>sc</a:t>
-                      </a:r>
                       <a:endParaRPr lang="en-US" baseline="-25000" dirty="0"/>
                     </a:p>
                   </a:txBody>
@@ -11962,19 +12341,7 @@
                     <a:p>
                       <a:r>
                         <a:rPr lang="en-US" dirty="0"/>
-                        <a:t>y :=</a:t>
-                      </a:r>
-                      <a:r>
-                        <a:rPr lang="en-US" baseline="-25000" dirty="0" err="1"/>
-                        <a:t>sc</a:t>
-                      </a:r>
-                      <a:r>
-                        <a:rPr lang="en-US" baseline="-25000" dirty="0"/>
-                        <a:t>   </a:t>
-                      </a:r>
-                      <a:r>
-                        <a:rPr lang="en-US" baseline="0" dirty="0"/>
-                        <a:t>3</a:t>
+                        <a:t>y = 3</a:t>
                       </a:r>
                       <a:endParaRPr lang="en-US" baseline="-25000" dirty="0"/>
                     </a:p>
@@ -11994,64 +12361,36 @@
                     <a:lstStyle/>
                     <a:p>
                       <a:r>
-                        <a:rPr lang="en-US" dirty="0"/>
-                        <a:t>y :=</a:t>
-                      </a:r>
-                      <a:r>
-                        <a:rPr lang="en-US" baseline="-25000" dirty="0" err="1"/>
-                        <a:t>rel</a:t>
-                      </a:r>
-                      <a:r>
-                        <a:rPr lang="en-US" baseline="-25000" dirty="0"/>
-                        <a:t>   </a:t>
-                      </a:r>
-                      <a:r>
-                        <a:rPr lang="en-US" dirty="0"/>
-                        <a:t>1</a:t>
-                      </a:r>
-                      <a:endParaRPr lang="en-US" baseline="-25000" dirty="0"/>
-                    </a:p>
-                  </a:txBody>
-                  <a:tcPr/>
-                </a:tc>
-                <a:tc>
-                  <a:txBody>
-                    <a:bodyPr/>
-                    <a:lstStyle/>
-                    <a:p>
-                      <a:r>
-                        <a:rPr lang="en-US" dirty="0"/>
-                        <a:t>c := </a:t>
-                      </a:r>
+                        <a:rPr lang="en-US" baseline="0" dirty="0" err="1"/>
+                        <a:t>lwsync</a:t>
+                      </a:r>
+                      <a:endParaRPr lang="en-US" baseline="0" dirty="0"/>
+                    </a:p>
+                  </a:txBody>
+                  <a:tcPr/>
+                </a:tc>
+                <a:tc>
+                  <a:txBody>
+                    <a:bodyPr/>
+                    <a:lstStyle/>
+                    <a:p>
+                      <a:r>
+                        <a:rPr lang="en-US" baseline="0" dirty="0" err="1"/>
+                        <a:t>lwsync</a:t>
+                      </a:r>
+                      <a:endParaRPr lang="en-US" baseline="0" dirty="0"/>
+                    </a:p>
+                  </a:txBody>
+                  <a:tcPr/>
+                </a:tc>
+                <a:tc>
+                  <a:txBody>
+                    <a:bodyPr/>
+                    <a:lstStyle/>
+                    <a:p>
                       <a:r>
                         <a:rPr lang="en-US" dirty="0" err="1"/>
-                        <a:t>y</a:t>
-                      </a:r>
-                      <a:r>
-                        <a:rPr lang="en-US" baseline="-25000" dirty="0" err="1"/>
-                        <a:t>rlx</a:t>
-                      </a:r>
-                      <a:endParaRPr lang="en-US" baseline="-25000" dirty="0"/>
-                    </a:p>
-                  </a:txBody>
-                  <a:tcPr/>
-                </a:tc>
-                <a:tc>
-                  <a:txBody>
-                    <a:bodyPr/>
-                    <a:lstStyle/>
-                    <a:p>
-                      <a:r>
-                        <a:rPr lang="en-US" dirty="0"/>
-                        <a:t>a := </a:t>
-                      </a:r>
-                      <a:r>
-                        <a:rPr lang="en-US" dirty="0" err="1"/>
-                        <a:t>x</a:t>
-                      </a:r>
-                      <a:r>
-                        <a:rPr lang="en-US" baseline="-25000" dirty="0" err="1"/>
-                        <a:t>sc</a:t>
+                        <a:t>hwsync</a:t>
                       </a:r>
                       <a:endParaRPr lang="en-US" baseline="-25000" dirty="0"/>
                     </a:p>
@@ -12061,6 +12400,70 @@
                 <a:extLst>
                   <a:ext uri="{0D108BD9-81ED-4DB2-BD59-A6C34878D82A}">
                     <a16:rowId xmlns:a16="http://schemas.microsoft.com/office/drawing/2014/main" val="1494563118"/>
+                  </a:ext>
+                </a:extLst>
+              </a:tr>
+              <a:tr h="370840">
+                <a:tc>
+                  <a:txBody>
+                    <a:bodyPr/>
+                    <a:lstStyle/>
+                    <a:p>
+                      <a:r>
+                        <a:rPr lang="en-US" baseline="0" dirty="0"/>
+                        <a:t>y = 1</a:t>
+                      </a:r>
+                    </a:p>
+                  </a:txBody>
+                  <a:tcPr/>
+                </a:tc>
+                <a:tc>
+                  <a:txBody>
+                    <a:bodyPr/>
+                    <a:lstStyle/>
+                    <a:p>
+                      <a:pPr marL="0" marR="0" lvl="0" indent="0" algn="l" defTabSz="914400" rtl="0" eaLnBrk="1" fontAlgn="auto" latinLnBrk="0" hangingPunct="1">
+                        <a:lnSpc>
+                          <a:spcPct val="100000"/>
+                        </a:lnSpc>
+                        <a:spcBef>
+                          <a:spcPts val="0"/>
+                        </a:spcBef>
+                        <a:spcAft>
+                          <a:spcPts val="0"/>
+                        </a:spcAft>
+                        <a:buClrTx/>
+                        <a:buSzTx/>
+                        <a:buFontTx/>
+                        <a:buNone/>
+                        <a:tabLst/>
+                        <a:defRPr/>
+                      </a:pPr>
+                      <a:r>
+                        <a:rPr lang="en-US" dirty="0"/>
+                        <a:t>c = y</a:t>
+                      </a:r>
+                      <a:endParaRPr lang="en-US" baseline="-25000" dirty="0"/>
+                    </a:p>
+                  </a:txBody>
+                  <a:tcPr/>
+                </a:tc>
+                <a:tc>
+                  <a:txBody>
+                    <a:bodyPr/>
+                    <a:lstStyle/>
+                    <a:p>
+                      <a:r>
+                        <a:rPr lang="en-US" baseline="0" dirty="0"/>
+                        <a:t>a = x</a:t>
+                      </a:r>
+                    </a:p>
+                  </a:txBody>
+                  <a:tcPr/>
+                </a:tc>
+                <a:extLst>
+                  <a:ext uri="{0D108BD9-81ED-4DB2-BD59-A6C34878D82A}">
+                    <a16:rowId xmlns:a16="http://schemas.microsoft.com/office/drawing/2014/main" val="811745145"/>
                   </a:ext>
                 </a:extLst>
               </a:tr>
@@ -12068,220 +12471,10 @@
           </a:graphicData>
         </a:graphic>
       </p:graphicFrame>
-      <p:cxnSp>
-        <p:nvCxnSpPr>
-          <p:cNvPr id="22" name="Straight Arrow Connector 21">
-            <a:extLst>
-              <a:ext uri="{FF2B5EF4-FFF2-40B4-BE49-F238E27FC236}">
-                <a16:creationId xmlns:a16="http://schemas.microsoft.com/office/drawing/2014/main" id="{CC6B55C5-376E-4139-94F4-E527A7549637}"/>
-              </a:ext>
-            </a:extLst>
-          </p:cNvPr>
-          <p:cNvCxnSpPr/>
-          <p:nvPr/>
-        </p:nvCxnSpPr>
-        <p:spPr>
-          <a:xfrm>
-            <a:off x="8640661" y="2449585"/>
-            <a:ext cx="0" cy="335560"/>
-          </a:xfrm>
-          <a:prstGeom prst="straightConnector1">
-            <a:avLst/>
-          </a:prstGeom>
-          <a:ln w="31750">
-            <a:solidFill>
-              <a:schemeClr val="tx1"/>
-            </a:solidFill>
-            <a:tailEnd type="triangle"/>
-          </a:ln>
-        </p:spPr>
-        <p:style>
-          <a:lnRef idx="1">
-            <a:schemeClr val="dk1"/>
-          </a:lnRef>
-          <a:fillRef idx="0">
-            <a:schemeClr val="dk1"/>
-          </a:fillRef>
-          <a:effectRef idx="0">
-            <a:schemeClr val="dk1"/>
-          </a:effectRef>
-          <a:fontRef idx="minor">
-            <a:schemeClr val="tx1"/>
-          </a:fontRef>
-        </p:style>
-      </p:cxnSp>
-      <p:cxnSp>
-        <p:nvCxnSpPr>
-          <p:cNvPr id="23" name="Straight Arrow Connector 22">
-            <a:extLst>
-              <a:ext uri="{FF2B5EF4-FFF2-40B4-BE49-F238E27FC236}">
-                <a16:creationId xmlns:a16="http://schemas.microsoft.com/office/drawing/2014/main" id="{7068025A-286F-4C8D-B20F-EEE84196FA6D}"/>
-              </a:ext>
-            </a:extLst>
-          </p:cNvPr>
-          <p:cNvCxnSpPr/>
-          <p:nvPr/>
-        </p:nvCxnSpPr>
-        <p:spPr>
-          <a:xfrm>
-            <a:off x="2030136" y="2424418"/>
-            <a:ext cx="0" cy="335560"/>
-          </a:xfrm>
-          <a:prstGeom prst="straightConnector1">
-            <a:avLst/>
-          </a:prstGeom>
-          <a:ln w="31750">
-            <a:tailEnd type="triangle"/>
-          </a:ln>
-        </p:spPr>
-        <p:style>
-          <a:lnRef idx="1">
-            <a:schemeClr val="dk1"/>
-          </a:lnRef>
-          <a:fillRef idx="0">
-            <a:schemeClr val="dk1"/>
-          </a:fillRef>
-          <a:effectRef idx="0">
-            <a:schemeClr val="dk1"/>
-          </a:effectRef>
-          <a:fontRef idx="minor">
-            <a:schemeClr val="tx1"/>
-          </a:fontRef>
-        </p:style>
-      </p:cxnSp>
-      <p:cxnSp>
-        <p:nvCxnSpPr>
-          <p:cNvPr id="24" name="Connector: Curved 23">
-            <a:extLst>
-              <a:ext uri="{FF2B5EF4-FFF2-40B4-BE49-F238E27FC236}">
-                <a16:creationId xmlns:a16="http://schemas.microsoft.com/office/drawing/2014/main" id="{C33A10E7-BC7C-44E7-99B1-405E681AE666}"/>
-              </a:ext>
-            </a:extLst>
-          </p:cNvPr>
-          <p:cNvCxnSpPr/>
-          <p:nvPr/>
-        </p:nvCxnSpPr>
-        <p:spPr>
-          <a:xfrm flipV="1">
-            <a:off x="2030136" y="2424418"/>
-            <a:ext cx="2449585" cy="335560"/>
-          </a:xfrm>
-          <a:prstGeom prst="curvedConnector3">
-            <a:avLst/>
-          </a:prstGeom>
-          <a:ln w="31750">
-            <a:solidFill>
-              <a:srgbClr val="00B050"/>
-            </a:solidFill>
-            <a:tailEnd type="triangle"/>
-          </a:ln>
-        </p:spPr>
-        <p:style>
-          <a:lnRef idx="1">
-            <a:schemeClr val="accent1"/>
-          </a:lnRef>
-          <a:fillRef idx="0">
-            <a:schemeClr val="accent1"/>
-          </a:fillRef>
-          <a:effectRef idx="0">
-            <a:schemeClr val="accent1"/>
-          </a:effectRef>
-          <a:fontRef idx="minor">
-            <a:schemeClr val="tx1"/>
-          </a:fontRef>
-        </p:style>
-      </p:cxnSp>
-      <p:cxnSp>
-        <p:nvCxnSpPr>
-          <p:cNvPr id="25" name="Connector: Curved 24">
-            <a:extLst>
-              <a:ext uri="{FF2B5EF4-FFF2-40B4-BE49-F238E27FC236}">
-                <a16:creationId xmlns:a16="http://schemas.microsoft.com/office/drawing/2014/main" id="{4265309D-BB3D-48B6-AB57-F7E7E1FD0CF0}"/>
-              </a:ext>
-            </a:extLst>
-          </p:cNvPr>
-          <p:cNvCxnSpPr>
-            <a:cxnSpLocks/>
-          </p:cNvCxnSpPr>
-          <p:nvPr/>
-        </p:nvCxnSpPr>
-        <p:spPr>
-          <a:xfrm>
-            <a:off x="2030136" y="2424418"/>
-            <a:ext cx="2449585" cy="12700"/>
-          </a:xfrm>
-          <a:prstGeom prst="curvedConnector3">
-            <a:avLst/>
-          </a:prstGeom>
-          <a:ln w="25400">
-            <a:solidFill>
-              <a:srgbClr val="7030A0"/>
-            </a:solidFill>
-            <a:prstDash val="dash"/>
-            <a:tailEnd type="triangle"/>
-          </a:ln>
-        </p:spPr>
-        <p:style>
-          <a:lnRef idx="1">
-            <a:schemeClr val="accent1"/>
-          </a:lnRef>
-          <a:fillRef idx="0">
-            <a:schemeClr val="accent1"/>
-          </a:fillRef>
-          <a:effectRef idx="0">
-            <a:schemeClr val="accent1"/>
-          </a:effectRef>
-          <a:fontRef idx="minor">
-            <a:schemeClr val="tx1"/>
-          </a:fontRef>
-        </p:style>
-      </p:cxnSp>
-      <p:cxnSp>
-        <p:nvCxnSpPr>
-          <p:cNvPr id="26" name="Straight Arrow Connector 25">
-            <a:extLst>
-              <a:ext uri="{FF2B5EF4-FFF2-40B4-BE49-F238E27FC236}">
-                <a16:creationId xmlns:a16="http://schemas.microsoft.com/office/drawing/2014/main" id="{E88892F1-936F-4AE9-8605-042AF9E8753E}"/>
-              </a:ext>
-            </a:extLst>
-          </p:cNvPr>
-          <p:cNvCxnSpPr/>
-          <p:nvPr/>
-        </p:nvCxnSpPr>
-        <p:spPr>
-          <a:xfrm>
-            <a:off x="6264613" y="2424418"/>
-            <a:ext cx="1517515" cy="0"/>
-          </a:xfrm>
-          <a:prstGeom prst="straightConnector1">
-            <a:avLst/>
-          </a:prstGeom>
-          <a:ln w="25400">
-            <a:solidFill>
-              <a:srgbClr val="7030A0"/>
-            </a:solidFill>
-            <a:tailEnd type="triangle"/>
-          </a:ln>
-        </p:spPr>
-        <p:style>
-          <a:lnRef idx="1">
-            <a:schemeClr val="accent1"/>
-          </a:lnRef>
-          <a:fillRef idx="0">
-            <a:schemeClr val="accent1"/>
-          </a:fillRef>
-          <a:effectRef idx="0">
-            <a:schemeClr val="accent1"/>
-          </a:effectRef>
-          <a:fontRef idx="minor">
-            <a:schemeClr val="tx1"/>
-          </a:fontRef>
-        </p:style>
-      </p:cxnSp>
     </p:spTree>
     <p:extLst>
       <p:ext uri="{BB962C8B-B14F-4D97-AF65-F5344CB8AC3E}">
-        <p14:creationId xmlns:p14="http://schemas.microsoft.com/office/powerpoint/2010/main" val="487851372"/>
+        <p14:creationId xmlns:p14="http://schemas.microsoft.com/office/powerpoint/2010/main" val="1329397689"/>
       </p:ext>
     </p:extLst>
   </p:cSld>
@@ -12782,6 +12975,645 @@
           <a:p>
             <a:r>
               <a:rPr lang="en-US" dirty="0"/>
+              <a:t>How to fix?</a:t>
+            </a:r>
+          </a:p>
+        </p:txBody>
+      </p:sp>
+      <p:sp>
+        <p:nvSpPr>
+          <p:cNvPr id="3" name="Content Placeholder 2">
+            <a:extLst>
+              <a:ext uri="{FF2B5EF4-FFF2-40B4-BE49-F238E27FC236}">
+                <a16:creationId xmlns:a16="http://schemas.microsoft.com/office/drawing/2014/main" id="{C34BB083-E63C-4EEF-82D4-F6FAD5F88788}"/>
+              </a:ext>
+            </a:extLst>
+          </p:cNvPr>
+          <p:cNvSpPr>
+            <a:spLocks noGrp="1"/>
+          </p:cNvSpPr>
+          <p:nvPr>
+            <p:ph idx="1"/>
+          </p:nvPr>
+        </p:nvSpPr>
+        <p:spPr>
+          <a:xfrm>
+            <a:off x="1097280" y="3278220"/>
+            <a:ext cx="10058400" cy="2590873"/>
+          </a:xfrm>
+        </p:spPr>
+        <p:txBody>
+          <a:bodyPr/>
+          <a:lstStyle/>
+          <a:p>
+            <a:r>
+              <a:rPr lang="en-US" dirty="0"/>
+              <a:t>C/C++11 requires x :=</a:t>
+            </a:r>
+            <a:r>
+              <a:rPr lang="en-US" baseline="-25000" dirty="0" err="1"/>
+              <a:t>sc</a:t>
+            </a:r>
+            <a:r>
+              <a:rPr lang="en-US" dirty="0"/>
+              <a:t> 1 precedes b := </a:t>
+            </a:r>
+            <a:r>
+              <a:rPr lang="en-US" dirty="0" err="1"/>
+              <a:t>fetch_add</a:t>
+            </a:r>
+            <a:r>
+              <a:rPr lang="en-US" dirty="0"/>
+              <a:t>(y)</a:t>
+            </a:r>
+            <a:r>
+              <a:rPr lang="en-US" baseline="-25000" dirty="0" err="1"/>
+              <a:t>sc</a:t>
+            </a:r>
+            <a:r>
+              <a:rPr lang="en-US" baseline="-25000" dirty="0"/>
+              <a:t> </a:t>
+            </a:r>
+            <a:r>
+              <a:rPr lang="en-US" dirty="0"/>
+              <a:t> in total store order,</a:t>
+            </a:r>
+            <a:endParaRPr lang="en-US" baseline="-25000" dirty="0"/>
+          </a:p>
+          <a:p>
+            <a:r>
+              <a:rPr lang="en-US" dirty="0"/>
+              <a:t>But a </a:t>
+            </a:r>
+            <a:r>
+              <a:rPr lang="en-US" dirty="0" err="1"/>
+              <a:t>lwsync</a:t>
+            </a:r>
+            <a:r>
+              <a:rPr lang="en-US" dirty="0"/>
+              <a:t> between x :=</a:t>
+            </a:r>
+            <a:r>
+              <a:rPr lang="en-US" baseline="-25000" dirty="0" err="1"/>
+              <a:t>sc</a:t>
+            </a:r>
+            <a:r>
+              <a:rPr lang="en-US" baseline="-25000" dirty="0"/>
+              <a:t>   </a:t>
+            </a:r>
+            <a:r>
+              <a:rPr lang="en-US" dirty="0"/>
+              <a:t>1</a:t>
+            </a:r>
+            <a:r>
+              <a:rPr lang="en-US" baseline="-25000" dirty="0"/>
+              <a:t> </a:t>
+            </a:r>
+            <a:r>
+              <a:rPr lang="en-US" dirty="0"/>
+              <a:t>and y :=</a:t>
+            </a:r>
+            <a:r>
+              <a:rPr lang="en-US" baseline="-25000" dirty="0" err="1"/>
+              <a:t>rel</a:t>
+            </a:r>
+            <a:r>
+              <a:rPr lang="en-US" baseline="-25000" dirty="0"/>
+              <a:t>   </a:t>
+            </a:r>
+            <a:r>
+              <a:rPr lang="en-US" dirty="0"/>
+              <a:t>1 cannot ensure it.</a:t>
+            </a:r>
+          </a:p>
+        </p:txBody>
+      </p:sp>
+      <p:graphicFrame>
+        <p:nvGraphicFramePr>
+          <p:cNvPr id="21" name="Content Placeholder 3">
+            <a:extLst>
+              <a:ext uri="{FF2B5EF4-FFF2-40B4-BE49-F238E27FC236}">
+                <a16:creationId xmlns:a16="http://schemas.microsoft.com/office/drawing/2014/main" id="{C0E82213-6A98-43F0-B7C7-C3F9A08B5DFD}"/>
+              </a:ext>
+            </a:extLst>
+          </p:cNvPr>
+          <p:cNvGraphicFramePr>
+            <a:graphicFrameLocks/>
+          </p:cNvGraphicFramePr>
+          <p:nvPr/>
+        </p:nvGraphicFramePr>
+        <p:xfrm>
+          <a:off x="1097279" y="1826843"/>
+          <a:ext cx="9967800" cy="1112520"/>
+        </p:xfrm>
+        <a:graphic>
+          <a:graphicData uri="http://schemas.openxmlformats.org/drawingml/2006/table">
+            <a:tbl>
+              <a:tblPr firstRow="1">
+                <a:tableStyleId>{5C22544A-7EE6-4342-B048-85BDC9FD1C3A}</a:tableStyleId>
+              </a:tblPr>
+              <a:tblGrid>
+                <a:gridCol w="3322600">
+                  <a:extLst>
+                    <a:ext uri="{9D8B030D-6E8A-4147-A177-3AD203B41FA5}">
+                      <a16:colId xmlns:a16="http://schemas.microsoft.com/office/drawing/2014/main" val="1357916046"/>
+                    </a:ext>
+                  </a:extLst>
+                </a:gridCol>
+                <a:gridCol w="3322600">
+                  <a:extLst>
+                    <a:ext uri="{9D8B030D-6E8A-4147-A177-3AD203B41FA5}">
+                      <a16:colId xmlns:a16="http://schemas.microsoft.com/office/drawing/2014/main" val="4061277133"/>
+                    </a:ext>
+                  </a:extLst>
+                </a:gridCol>
+                <a:gridCol w="3322600">
+                  <a:extLst>
+                    <a:ext uri="{9D8B030D-6E8A-4147-A177-3AD203B41FA5}">
+                      <a16:colId xmlns:a16="http://schemas.microsoft.com/office/drawing/2014/main" val="1039997575"/>
+                    </a:ext>
+                  </a:extLst>
+                </a:gridCol>
+              </a:tblGrid>
+              <a:tr h="370840">
+                <a:tc>
+                  <a:txBody>
+                    <a:bodyPr/>
+                    <a:lstStyle/>
+                    <a:p>
+                      <a:r>
+                        <a:rPr lang="en-US" dirty="0"/>
+                        <a:t>Thread 0</a:t>
+                      </a:r>
+                    </a:p>
+                  </a:txBody>
+                  <a:tcPr/>
+                </a:tc>
+                <a:tc>
+                  <a:txBody>
+                    <a:bodyPr/>
+                    <a:lstStyle/>
+                    <a:p>
+                      <a:r>
+                        <a:rPr lang="en-US" dirty="0"/>
+                        <a:t>Thread 1</a:t>
+                      </a:r>
+                    </a:p>
+                  </a:txBody>
+                  <a:tcPr/>
+                </a:tc>
+                <a:tc>
+                  <a:txBody>
+                    <a:bodyPr/>
+                    <a:lstStyle/>
+                    <a:p>
+                      <a:r>
+                        <a:rPr lang="en-US" dirty="0"/>
+                        <a:t>Thread 2</a:t>
+                      </a:r>
+                    </a:p>
+                  </a:txBody>
+                  <a:tcPr/>
+                </a:tc>
+                <a:extLst>
+                  <a:ext uri="{0D108BD9-81ED-4DB2-BD59-A6C34878D82A}">
+                    <a16:rowId xmlns:a16="http://schemas.microsoft.com/office/drawing/2014/main" val="337109809"/>
+                  </a:ext>
+                </a:extLst>
+              </a:tr>
+              <a:tr h="370840">
+                <a:tc>
+                  <a:txBody>
+                    <a:bodyPr/>
+                    <a:lstStyle/>
+                    <a:p>
+                      <a:r>
+                        <a:rPr lang="en-US" dirty="0"/>
+                        <a:t>x :=</a:t>
+                      </a:r>
+                      <a:r>
+                        <a:rPr lang="en-US" baseline="-25000" dirty="0" err="1"/>
+                        <a:t>sc</a:t>
+                      </a:r>
+                      <a:r>
+                        <a:rPr lang="en-US" baseline="-25000" dirty="0"/>
+                        <a:t>   </a:t>
+                      </a:r>
+                      <a:r>
+                        <a:rPr lang="en-US" baseline="0" dirty="0"/>
+                        <a:t>1</a:t>
+                      </a:r>
+                      <a:endParaRPr lang="en-US" baseline="-25000" dirty="0"/>
+                    </a:p>
+                  </a:txBody>
+                  <a:tcPr/>
+                </a:tc>
+                <a:tc>
+                  <a:txBody>
+                    <a:bodyPr/>
+                    <a:lstStyle/>
+                    <a:p>
+                      <a:r>
+                        <a:rPr lang="en-US" dirty="0"/>
+                        <a:t>b :=</a:t>
+                      </a:r>
+                      <a:r>
+                        <a:rPr lang="en-US" baseline="-25000" dirty="0"/>
+                        <a:t> </a:t>
+                      </a:r>
+                      <a:r>
+                        <a:rPr lang="en-US" baseline="0" dirty="0" err="1"/>
+                        <a:t>fetch_add</a:t>
+                      </a:r>
+                      <a:r>
+                        <a:rPr lang="en-US" baseline="0" dirty="0"/>
+                        <a:t>(y)</a:t>
+                      </a:r>
+                      <a:r>
+                        <a:rPr lang="en-US" baseline="-25000" dirty="0" err="1"/>
+                        <a:t>sc</a:t>
+                      </a:r>
+                      <a:endParaRPr lang="en-US" baseline="-25000" dirty="0"/>
+                    </a:p>
+                  </a:txBody>
+                  <a:tcPr/>
+                </a:tc>
+                <a:tc>
+                  <a:txBody>
+                    <a:bodyPr/>
+                    <a:lstStyle/>
+                    <a:p>
+                      <a:r>
+                        <a:rPr lang="en-US" dirty="0"/>
+                        <a:t>y :=</a:t>
+                      </a:r>
+                      <a:r>
+                        <a:rPr lang="en-US" baseline="-25000" dirty="0" err="1"/>
+                        <a:t>sc</a:t>
+                      </a:r>
+                      <a:r>
+                        <a:rPr lang="en-US" baseline="-25000" dirty="0"/>
+                        <a:t>   </a:t>
+                      </a:r>
+                      <a:r>
+                        <a:rPr lang="en-US" baseline="0" dirty="0"/>
+                        <a:t>3</a:t>
+                      </a:r>
+                      <a:endParaRPr lang="en-US" baseline="-25000" dirty="0"/>
+                    </a:p>
+                  </a:txBody>
+                  <a:tcPr/>
+                </a:tc>
+                <a:extLst>
+                  <a:ext uri="{0D108BD9-81ED-4DB2-BD59-A6C34878D82A}">
+                    <a16:rowId xmlns:a16="http://schemas.microsoft.com/office/drawing/2014/main" val="3096701378"/>
+                  </a:ext>
+                </a:extLst>
+              </a:tr>
+              <a:tr h="370840">
+                <a:tc>
+                  <a:txBody>
+                    <a:bodyPr/>
+                    <a:lstStyle/>
+                    <a:p>
+                      <a:r>
+                        <a:rPr lang="en-US" dirty="0"/>
+                        <a:t>y :=</a:t>
+                      </a:r>
+                      <a:r>
+                        <a:rPr lang="en-US" baseline="-25000" dirty="0" err="1"/>
+                        <a:t>rel</a:t>
+                      </a:r>
+                      <a:r>
+                        <a:rPr lang="en-US" baseline="-25000" dirty="0"/>
+                        <a:t>   </a:t>
+                      </a:r>
+                      <a:r>
+                        <a:rPr lang="en-US" dirty="0"/>
+                        <a:t>1</a:t>
+                      </a:r>
+                      <a:endParaRPr lang="en-US" baseline="-25000" dirty="0"/>
+                    </a:p>
+                  </a:txBody>
+                  <a:tcPr/>
+                </a:tc>
+                <a:tc>
+                  <a:txBody>
+                    <a:bodyPr/>
+                    <a:lstStyle/>
+                    <a:p>
+                      <a:r>
+                        <a:rPr lang="en-US" dirty="0"/>
+                        <a:t>c := </a:t>
+                      </a:r>
+                      <a:r>
+                        <a:rPr lang="en-US" dirty="0" err="1"/>
+                        <a:t>y</a:t>
+                      </a:r>
+                      <a:r>
+                        <a:rPr lang="en-US" baseline="-25000" dirty="0" err="1"/>
+                        <a:t>rlx</a:t>
+                      </a:r>
+                      <a:endParaRPr lang="en-US" baseline="-25000" dirty="0"/>
+                    </a:p>
+                  </a:txBody>
+                  <a:tcPr/>
+                </a:tc>
+                <a:tc>
+                  <a:txBody>
+                    <a:bodyPr/>
+                    <a:lstStyle/>
+                    <a:p>
+                      <a:r>
+                        <a:rPr lang="en-US" dirty="0"/>
+                        <a:t>a := </a:t>
+                      </a:r>
+                      <a:r>
+                        <a:rPr lang="en-US" dirty="0" err="1"/>
+                        <a:t>x</a:t>
+                      </a:r>
+                      <a:r>
+                        <a:rPr lang="en-US" baseline="-25000" dirty="0" err="1"/>
+                        <a:t>sc</a:t>
+                      </a:r>
+                      <a:endParaRPr lang="en-US" baseline="-25000" dirty="0"/>
+                    </a:p>
+                  </a:txBody>
+                  <a:tcPr/>
+                </a:tc>
+                <a:extLst>
+                  <a:ext uri="{0D108BD9-81ED-4DB2-BD59-A6C34878D82A}">
+                    <a16:rowId xmlns:a16="http://schemas.microsoft.com/office/drawing/2014/main" val="1494563118"/>
+                  </a:ext>
+                </a:extLst>
+              </a:tr>
+            </a:tbl>
+          </a:graphicData>
+        </a:graphic>
+      </p:graphicFrame>
+      <p:cxnSp>
+        <p:nvCxnSpPr>
+          <p:cNvPr id="22" name="Straight Arrow Connector 21">
+            <a:extLst>
+              <a:ext uri="{FF2B5EF4-FFF2-40B4-BE49-F238E27FC236}">
+                <a16:creationId xmlns:a16="http://schemas.microsoft.com/office/drawing/2014/main" id="{CC6B55C5-376E-4139-94F4-E527A7549637}"/>
+              </a:ext>
+            </a:extLst>
+          </p:cNvPr>
+          <p:cNvCxnSpPr/>
+          <p:nvPr/>
+        </p:nvCxnSpPr>
+        <p:spPr>
+          <a:xfrm>
+            <a:off x="8640661" y="2449585"/>
+            <a:ext cx="0" cy="335560"/>
+          </a:xfrm>
+          <a:prstGeom prst="straightConnector1">
+            <a:avLst/>
+          </a:prstGeom>
+          <a:ln w="31750">
+            <a:solidFill>
+              <a:schemeClr val="tx1"/>
+            </a:solidFill>
+            <a:tailEnd type="triangle"/>
+          </a:ln>
+        </p:spPr>
+        <p:style>
+          <a:lnRef idx="1">
+            <a:schemeClr val="dk1"/>
+          </a:lnRef>
+          <a:fillRef idx="0">
+            <a:schemeClr val="dk1"/>
+          </a:fillRef>
+          <a:effectRef idx="0">
+            <a:schemeClr val="dk1"/>
+          </a:effectRef>
+          <a:fontRef idx="minor">
+            <a:schemeClr val="tx1"/>
+          </a:fontRef>
+        </p:style>
+      </p:cxnSp>
+      <p:cxnSp>
+        <p:nvCxnSpPr>
+          <p:cNvPr id="23" name="Straight Arrow Connector 22">
+            <a:extLst>
+              <a:ext uri="{FF2B5EF4-FFF2-40B4-BE49-F238E27FC236}">
+                <a16:creationId xmlns:a16="http://schemas.microsoft.com/office/drawing/2014/main" id="{7068025A-286F-4C8D-B20F-EEE84196FA6D}"/>
+              </a:ext>
+            </a:extLst>
+          </p:cNvPr>
+          <p:cNvCxnSpPr/>
+          <p:nvPr/>
+        </p:nvCxnSpPr>
+        <p:spPr>
+          <a:xfrm>
+            <a:off x="2030136" y="2424418"/>
+            <a:ext cx="0" cy="335560"/>
+          </a:xfrm>
+          <a:prstGeom prst="straightConnector1">
+            <a:avLst/>
+          </a:prstGeom>
+          <a:ln w="31750">
+            <a:tailEnd type="triangle"/>
+          </a:ln>
+        </p:spPr>
+        <p:style>
+          <a:lnRef idx="1">
+            <a:schemeClr val="dk1"/>
+          </a:lnRef>
+          <a:fillRef idx="0">
+            <a:schemeClr val="dk1"/>
+          </a:fillRef>
+          <a:effectRef idx="0">
+            <a:schemeClr val="dk1"/>
+          </a:effectRef>
+          <a:fontRef idx="minor">
+            <a:schemeClr val="tx1"/>
+          </a:fontRef>
+        </p:style>
+      </p:cxnSp>
+      <p:cxnSp>
+        <p:nvCxnSpPr>
+          <p:cNvPr id="24" name="Connector: Curved 23">
+            <a:extLst>
+              <a:ext uri="{FF2B5EF4-FFF2-40B4-BE49-F238E27FC236}">
+                <a16:creationId xmlns:a16="http://schemas.microsoft.com/office/drawing/2014/main" id="{C33A10E7-BC7C-44E7-99B1-405E681AE666}"/>
+              </a:ext>
+            </a:extLst>
+          </p:cNvPr>
+          <p:cNvCxnSpPr/>
+          <p:nvPr/>
+        </p:nvCxnSpPr>
+        <p:spPr>
+          <a:xfrm flipV="1">
+            <a:off x="2030136" y="2424418"/>
+            <a:ext cx="2449585" cy="335560"/>
+          </a:xfrm>
+          <a:prstGeom prst="curvedConnector3">
+            <a:avLst/>
+          </a:prstGeom>
+          <a:ln w="31750">
+            <a:solidFill>
+              <a:srgbClr val="00B050"/>
+            </a:solidFill>
+            <a:tailEnd type="triangle"/>
+          </a:ln>
+        </p:spPr>
+        <p:style>
+          <a:lnRef idx="1">
+            <a:schemeClr val="accent1"/>
+          </a:lnRef>
+          <a:fillRef idx="0">
+            <a:schemeClr val="accent1"/>
+          </a:fillRef>
+          <a:effectRef idx="0">
+            <a:schemeClr val="accent1"/>
+          </a:effectRef>
+          <a:fontRef idx="minor">
+            <a:schemeClr val="tx1"/>
+          </a:fontRef>
+        </p:style>
+      </p:cxnSp>
+      <p:cxnSp>
+        <p:nvCxnSpPr>
+          <p:cNvPr id="25" name="Connector: Curved 24">
+            <a:extLst>
+              <a:ext uri="{FF2B5EF4-FFF2-40B4-BE49-F238E27FC236}">
+                <a16:creationId xmlns:a16="http://schemas.microsoft.com/office/drawing/2014/main" id="{4265309D-BB3D-48B6-AB57-F7E7E1FD0CF0}"/>
+              </a:ext>
+            </a:extLst>
+          </p:cNvPr>
+          <p:cNvCxnSpPr>
+            <a:cxnSpLocks/>
+          </p:cNvCxnSpPr>
+          <p:nvPr/>
+        </p:nvCxnSpPr>
+        <p:spPr>
+          <a:xfrm>
+            <a:off x="2030136" y="2424418"/>
+            <a:ext cx="2449585" cy="12700"/>
+          </a:xfrm>
+          <a:prstGeom prst="curvedConnector3">
+            <a:avLst/>
+          </a:prstGeom>
+          <a:ln w="25400">
+            <a:solidFill>
+              <a:srgbClr val="7030A0"/>
+            </a:solidFill>
+            <a:prstDash val="dash"/>
+            <a:tailEnd type="triangle"/>
+          </a:ln>
+        </p:spPr>
+        <p:style>
+          <a:lnRef idx="1">
+            <a:schemeClr val="accent1"/>
+          </a:lnRef>
+          <a:fillRef idx="0">
+            <a:schemeClr val="accent1"/>
+          </a:fillRef>
+          <a:effectRef idx="0">
+            <a:schemeClr val="accent1"/>
+          </a:effectRef>
+          <a:fontRef idx="minor">
+            <a:schemeClr val="tx1"/>
+          </a:fontRef>
+        </p:style>
+      </p:cxnSp>
+      <p:cxnSp>
+        <p:nvCxnSpPr>
+          <p:cNvPr id="26" name="Straight Arrow Connector 25">
+            <a:extLst>
+              <a:ext uri="{FF2B5EF4-FFF2-40B4-BE49-F238E27FC236}">
+                <a16:creationId xmlns:a16="http://schemas.microsoft.com/office/drawing/2014/main" id="{E88892F1-936F-4AE9-8605-042AF9E8753E}"/>
+              </a:ext>
+            </a:extLst>
+          </p:cNvPr>
+          <p:cNvCxnSpPr/>
+          <p:nvPr/>
+        </p:nvCxnSpPr>
+        <p:spPr>
+          <a:xfrm>
+            <a:off x="6264613" y="2424418"/>
+            <a:ext cx="1517515" cy="0"/>
+          </a:xfrm>
+          <a:prstGeom prst="straightConnector1">
+            <a:avLst/>
+          </a:prstGeom>
+          <a:ln w="25400">
+            <a:solidFill>
+              <a:srgbClr val="7030A0"/>
+            </a:solidFill>
+            <a:tailEnd type="triangle"/>
+          </a:ln>
+        </p:spPr>
+        <p:style>
+          <a:lnRef idx="1">
+            <a:schemeClr val="accent1"/>
+          </a:lnRef>
+          <a:fillRef idx="0">
+            <a:schemeClr val="accent1"/>
+          </a:fillRef>
+          <a:effectRef idx="0">
+            <a:schemeClr val="accent1"/>
+          </a:effectRef>
+          <a:fontRef idx="minor">
+            <a:schemeClr val="tx1"/>
+          </a:fontRef>
+        </p:style>
+      </p:cxnSp>
+    </p:spTree>
+    <p:extLst>
+      <p:ext uri="{BB962C8B-B14F-4D97-AF65-F5344CB8AC3E}">
+        <p14:creationId xmlns:p14="http://schemas.microsoft.com/office/powerpoint/2010/main" val="487851372"/>
+      </p:ext>
+    </p:extLst>
+  </p:cSld>
+  <p:clrMapOvr>
+    <a:masterClrMapping/>
+  </p:clrMapOvr>
+</p:sld>
+</file>
+
+<file path=ppt/slides/slide29.xml><?xml version="1.0" encoding="utf-8"?>
+<p:sld xmlns:a="http://schemas.openxmlformats.org/drawingml/2006/main" xmlns:r="http://schemas.openxmlformats.org/officeDocument/2006/relationships" xmlns:p="http://schemas.openxmlformats.org/presentationml/2006/main">
+  <p:cSld>
+    <p:spTree>
+      <p:nvGrpSpPr>
+        <p:cNvPr id="1" name=""/>
+        <p:cNvGrpSpPr/>
+        <p:nvPr/>
+      </p:nvGrpSpPr>
+      <p:grpSpPr>
+        <a:xfrm>
+          <a:off x="0" y="0"/>
+          <a:ext cx="0" cy="0"/>
+          <a:chOff x="0" y="0"/>
+          <a:chExt cx="0" cy="0"/>
+        </a:xfrm>
+      </p:grpSpPr>
+      <p:sp>
+        <p:nvSpPr>
+          <p:cNvPr id="2" name="Title 1">
+            <a:extLst>
+              <a:ext uri="{FF2B5EF4-FFF2-40B4-BE49-F238E27FC236}">
+                <a16:creationId xmlns:a16="http://schemas.microsoft.com/office/drawing/2014/main" id="{6D257F30-8475-487F-A3F9-09D3111B71A5}"/>
+              </a:ext>
+            </a:extLst>
+          </p:cNvPr>
+          <p:cNvSpPr>
+            <a:spLocks noGrp="1"/>
+          </p:cNvSpPr>
+          <p:nvPr>
+            <p:ph type="title"/>
+          </p:nvPr>
+        </p:nvSpPr>
+        <p:spPr/>
+        <p:txBody>
+          <a:bodyPr/>
+          <a:lstStyle/>
+          <a:p>
+            <a:r>
+              <a:rPr lang="en-US" dirty="0"/>
               <a:t>With fixed C/C++11</a:t>
             </a:r>
           </a:p>
@@ -13421,187 +14253,6 @@
 </p:sld>
 </file>
 
-<file path=ppt/slides/slide29.xml><?xml version="1.0" encoding="utf-8"?>
-<p:sld xmlns:a="http://schemas.openxmlformats.org/drawingml/2006/main" xmlns:r="http://schemas.openxmlformats.org/officeDocument/2006/relationships" xmlns:p="http://schemas.openxmlformats.org/presentationml/2006/main">
-  <p:cSld>
-    <p:spTree>
-      <p:nvGrpSpPr>
-        <p:cNvPr id="1" name=""/>
-        <p:cNvGrpSpPr/>
-        <p:nvPr/>
-      </p:nvGrpSpPr>
-      <p:grpSpPr>
-        <a:xfrm>
-          <a:off x="0" y="0"/>
-          <a:ext cx="0" cy="0"/>
-          <a:chOff x="0" y="0"/>
-          <a:chExt cx="0" cy="0"/>
-        </a:xfrm>
-      </p:grpSpPr>
-      <p:sp>
-        <p:nvSpPr>
-          <p:cNvPr id="2" name="Title 1">
-            <a:extLst>
-              <a:ext uri="{FF2B5EF4-FFF2-40B4-BE49-F238E27FC236}">
-                <a16:creationId xmlns:a16="http://schemas.microsoft.com/office/drawing/2014/main" id="{4FD12FA3-2732-433E-8240-97EF829B1C47}"/>
-              </a:ext>
-            </a:extLst>
-          </p:cNvPr>
-          <p:cNvSpPr>
-            <a:spLocks noGrp="1"/>
-          </p:cNvSpPr>
-          <p:nvPr>
-            <p:ph type="title"/>
-          </p:nvPr>
-        </p:nvSpPr>
-        <p:spPr/>
-        <p:txBody>
-          <a:bodyPr/>
-          <a:lstStyle/>
-          <a:p>
-            <a:r>
-              <a:rPr lang="en-US" dirty="0"/>
-              <a:t>References &amp; Resources</a:t>
-            </a:r>
-          </a:p>
-        </p:txBody>
-      </p:sp>
-      <p:sp>
-        <p:nvSpPr>
-          <p:cNvPr id="3" name="Content Placeholder 2">
-            <a:extLst>
-              <a:ext uri="{FF2B5EF4-FFF2-40B4-BE49-F238E27FC236}">
-                <a16:creationId xmlns:a16="http://schemas.microsoft.com/office/drawing/2014/main" id="{63968E02-2CC7-481E-8160-B707AF829A33}"/>
-              </a:ext>
-            </a:extLst>
-          </p:cNvPr>
-          <p:cNvSpPr>
-            <a:spLocks noGrp="1"/>
-          </p:cNvSpPr>
-          <p:nvPr>
-            <p:ph idx="1"/>
-          </p:nvPr>
-        </p:nvSpPr>
-        <p:spPr/>
-        <p:txBody>
-          <a:bodyPr>
-            <a:normAutofit/>
-          </a:bodyPr>
-          <a:lstStyle/>
-          <a:p>
-            <a:r>
-              <a:rPr lang="en-US" sz="1800" dirty="0">
-                <a:hlinkClick r:id="rId2"/>
-              </a:rPr>
-              <a:t>Repairing Sequential Consistency in C/C++11, Ori </a:t>
-            </a:r>
-            <a:r>
-              <a:rPr lang="en-US" sz="1800" dirty="0" err="1">
-                <a:hlinkClick r:id="rId2"/>
-              </a:rPr>
-              <a:t>Lahav</a:t>
-            </a:r>
-            <a:r>
-              <a:rPr lang="en-US" sz="1800" dirty="0">
-                <a:hlinkClick r:id="rId2"/>
-              </a:rPr>
-              <a:t> et al.</a:t>
-            </a:r>
-            <a:endParaRPr lang="en-US" sz="1800" dirty="0"/>
-          </a:p>
-          <a:p>
-            <a:r>
-              <a:rPr lang="en-US" sz="1800" dirty="0">
-                <a:hlinkClick r:id="rId3"/>
-              </a:rPr>
-              <a:t>x86-TSO: A Rigorous and Usable Programmer‘s Model for x86 Multiprocessors, Peter Sewell et al.</a:t>
-            </a:r>
-            <a:endParaRPr lang="en-US" sz="1800" dirty="0"/>
-          </a:p>
-          <a:p>
-            <a:r>
-              <a:rPr lang="en-US" sz="1800" dirty="0">
-                <a:hlinkClick r:id="rId4"/>
-              </a:rPr>
-              <a:t>cppreference.com - memory order</a:t>
-            </a:r>
-            <a:endParaRPr lang="en-US" sz="1800" dirty="0"/>
-          </a:p>
-          <a:p>
-            <a:r>
-              <a:rPr lang="en-US" sz="1800" dirty="0"/>
-              <a:t>C++ standard draft n4750</a:t>
-            </a:r>
-          </a:p>
-          <a:p>
-            <a:r>
-              <a:rPr lang="en-US" sz="1800" dirty="0">
-                <a:hlinkClick r:id="rId5"/>
-              </a:rPr>
-              <a:t>http://preshing.com/20120913/acquire-and-release-semantics/</a:t>
-            </a:r>
-            <a:endParaRPr lang="en-US" sz="1800" dirty="0"/>
-          </a:p>
-          <a:p>
-            <a:r>
-              <a:rPr lang="en-US" sz="1800" dirty="0">
-                <a:hlinkClick r:id="rId6"/>
-              </a:rPr>
-              <a:t>C/C++11 mappings to processors</a:t>
-            </a:r>
-            <a:endParaRPr lang="en-US" sz="1800" dirty="0"/>
-          </a:p>
-          <a:p>
-            <a:r>
-              <a:rPr lang="en-US" sz="1800" dirty="0"/>
-              <a:t>Intel® 64 and IA-32 Architectures Software Developer's Manuals, Volume 3</a:t>
-            </a:r>
-          </a:p>
-          <a:p>
-            <a:r>
-              <a:rPr lang="en-US" sz="1800" dirty="0"/>
-              <a:t>Power ISA™ Version 3.0 B, Ver March 29, 2017</a:t>
-            </a:r>
-          </a:p>
-          <a:p>
-            <a:r>
-              <a:rPr lang="en-US" sz="1800" dirty="0">
-                <a:hlinkClick r:id="rId7"/>
-              </a:rPr>
-              <a:t>A Tutorial Introduction to the ARM and POWER Relaxed Memory Models, Luc </a:t>
-            </a:r>
-            <a:r>
-              <a:rPr lang="en-US" sz="1800" dirty="0" err="1">
-                <a:hlinkClick r:id="rId7"/>
-              </a:rPr>
-              <a:t>Maranget</a:t>
-            </a:r>
-            <a:r>
-              <a:rPr lang="en-US" sz="1800" dirty="0">
-                <a:hlinkClick r:id="rId7"/>
-              </a:rPr>
-              <a:t> et al.</a:t>
-            </a:r>
-            <a:endParaRPr lang="en-US" sz="1800" dirty="0"/>
-          </a:p>
-          <a:p>
-            <a:endParaRPr lang="en-US" sz="1800" dirty="0"/>
-          </a:p>
-        </p:txBody>
-      </p:sp>
-    </p:spTree>
-    <p:extLst>
-      <p:ext uri="{BB962C8B-B14F-4D97-AF65-F5344CB8AC3E}">
-        <p14:creationId xmlns:p14="http://schemas.microsoft.com/office/powerpoint/2010/main" val="2259232667"/>
-      </p:ext>
-    </p:extLst>
-  </p:cSld>
-  <p:clrMapOvr>
-    <a:masterClrMapping/>
-  </p:clrMapOvr>
-</p:sld>
-</file>
-
 <file path=ppt/slides/slide3.xml><?xml version="1.0" encoding="utf-8"?>
 <p:sld xmlns:a="http://schemas.openxmlformats.org/drawingml/2006/main" xmlns:r="http://schemas.openxmlformats.org/officeDocument/2006/relationships" xmlns:p="http://schemas.openxmlformats.org/presentationml/2006/main">
   <p:cSld>
@@ -13711,6 +14362,187 @@
 </file>
 
 <file path=ppt/slides/slide30.xml><?xml version="1.0" encoding="utf-8"?>
+<p:sld xmlns:a="http://schemas.openxmlformats.org/drawingml/2006/main" xmlns:r="http://schemas.openxmlformats.org/officeDocument/2006/relationships" xmlns:p="http://schemas.openxmlformats.org/presentationml/2006/main">
+  <p:cSld>
+    <p:spTree>
+      <p:nvGrpSpPr>
+        <p:cNvPr id="1" name=""/>
+        <p:cNvGrpSpPr/>
+        <p:nvPr/>
+      </p:nvGrpSpPr>
+      <p:grpSpPr>
+        <a:xfrm>
+          <a:off x="0" y="0"/>
+          <a:ext cx="0" cy="0"/>
+          <a:chOff x="0" y="0"/>
+          <a:chExt cx="0" cy="0"/>
+        </a:xfrm>
+      </p:grpSpPr>
+      <p:sp>
+        <p:nvSpPr>
+          <p:cNvPr id="2" name="Title 1">
+            <a:extLst>
+              <a:ext uri="{FF2B5EF4-FFF2-40B4-BE49-F238E27FC236}">
+                <a16:creationId xmlns:a16="http://schemas.microsoft.com/office/drawing/2014/main" id="{4FD12FA3-2732-433E-8240-97EF829B1C47}"/>
+              </a:ext>
+            </a:extLst>
+          </p:cNvPr>
+          <p:cNvSpPr>
+            <a:spLocks noGrp="1"/>
+          </p:cNvSpPr>
+          <p:nvPr>
+            <p:ph type="title"/>
+          </p:nvPr>
+        </p:nvSpPr>
+        <p:spPr/>
+        <p:txBody>
+          <a:bodyPr/>
+          <a:lstStyle/>
+          <a:p>
+            <a:r>
+              <a:rPr lang="en-US" dirty="0"/>
+              <a:t>References &amp; Resources</a:t>
+            </a:r>
+          </a:p>
+        </p:txBody>
+      </p:sp>
+      <p:sp>
+        <p:nvSpPr>
+          <p:cNvPr id="3" name="Content Placeholder 2">
+            <a:extLst>
+              <a:ext uri="{FF2B5EF4-FFF2-40B4-BE49-F238E27FC236}">
+                <a16:creationId xmlns:a16="http://schemas.microsoft.com/office/drawing/2014/main" id="{63968E02-2CC7-481E-8160-B707AF829A33}"/>
+              </a:ext>
+            </a:extLst>
+          </p:cNvPr>
+          <p:cNvSpPr>
+            <a:spLocks noGrp="1"/>
+          </p:cNvSpPr>
+          <p:nvPr>
+            <p:ph idx="1"/>
+          </p:nvPr>
+        </p:nvSpPr>
+        <p:spPr/>
+        <p:txBody>
+          <a:bodyPr>
+            <a:normAutofit/>
+          </a:bodyPr>
+          <a:lstStyle/>
+          <a:p>
+            <a:r>
+              <a:rPr lang="en-US" sz="1800" dirty="0">
+                <a:hlinkClick r:id="rId2"/>
+              </a:rPr>
+              <a:t>Repairing Sequential Consistency in C/C++11, Ori </a:t>
+            </a:r>
+            <a:r>
+              <a:rPr lang="en-US" sz="1800" dirty="0" err="1">
+                <a:hlinkClick r:id="rId2"/>
+              </a:rPr>
+              <a:t>Lahav</a:t>
+            </a:r>
+            <a:r>
+              <a:rPr lang="en-US" sz="1800" dirty="0">
+                <a:hlinkClick r:id="rId2"/>
+              </a:rPr>
+              <a:t> et al.</a:t>
+            </a:r>
+            <a:endParaRPr lang="en-US" sz="1800" dirty="0"/>
+          </a:p>
+          <a:p>
+            <a:r>
+              <a:rPr lang="en-US" sz="1800" dirty="0">
+                <a:hlinkClick r:id="rId3"/>
+              </a:rPr>
+              <a:t>x86-TSO: A Rigorous and Usable Programmer‘s Model for x86 Multiprocessors, Peter Sewell et al.</a:t>
+            </a:r>
+            <a:endParaRPr lang="en-US" sz="1800" dirty="0"/>
+          </a:p>
+          <a:p>
+            <a:r>
+              <a:rPr lang="en-US" sz="1800" dirty="0">
+                <a:hlinkClick r:id="rId4"/>
+              </a:rPr>
+              <a:t>cppreference.com - memory order</a:t>
+            </a:r>
+            <a:endParaRPr lang="en-US" sz="1800" dirty="0"/>
+          </a:p>
+          <a:p>
+            <a:r>
+              <a:rPr lang="en-US" sz="1800" dirty="0"/>
+              <a:t>C++ standard draft n4750</a:t>
+            </a:r>
+          </a:p>
+          <a:p>
+            <a:r>
+              <a:rPr lang="en-US" sz="1800" dirty="0">
+                <a:hlinkClick r:id="rId5"/>
+              </a:rPr>
+              <a:t>http://preshing.com/20120913/acquire-and-release-semantics/</a:t>
+            </a:r>
+            <a:endParaRPr lang="en-US" sz="1800" dirty="0"/>
+          </a:p>
+          <a:p>
+            <a:r>
+              <a:rPr lang="en-US" sz="1800" dirty="0">
+                <a:hlinkClick r:id="rId6"/>
+              </a:rPr>
+              <a:t>C/C++11 mappings to processors</a:t>
+            </a:r>
+            <a:endParaRPr lang="en-US" sz="1800" dirty="0"/>
+          </a:p>
+          <a:p>
+            <a:r>
+              <a:rPr lang="en-US" sz="1800" dirty="0"/>
+              <a:t>Intel® 64 and IA-32 Architectures Software Developer's Manuals, Volume 3</a:t>
+            </a:r>
+          </a:p>
+          <a:p>
+            <a:r>
+              <a:rPr lang="en-US" sz="1800" dirty="0"/>
+              <a:t>Power ISA™ Version 3.0 B, Ver March 29, 2017</a:t>
+            </a:r>
+          </a:p>
+          <a:p>
+            <a:r>
+              <a:rPr lang="en-US" sz="1800" dirty="0">
+                <a:hlinkClick r:id="rId7"/>
+              </a:rPr>
+              <a:t>A Tutorial Introduction to the ARM and POWER Relaxed Memory Models, Luc </a:t>
+            </a:r>
+            <a:r>
+              <a:rPr lang="en-US" sz="1800" dirty="0" err="1">
+                <a:hlinkClick r:id="rId7"/>
+              </a:rPr>
+              <a:t>Maranget</a:t>
+            </a:r>
+            <a:r>
+              <a:rPr lang="en-US" sz="1800" dirty="0">
+                <a:hlinkClick r:id="rId7"/>
+              </a:rPr>
+              <a:t> et al.</a:t>
+            </a:r>
+            <a:endParaRPr lang="en-US" sz="1800" dirty="0"/>
+          </a:p>
+          <a:p>
+            <a:endParaRPr lang="en-US" sz="1800" dirty="0"/>
+          </a:p>
+        </p:txBody>
+      </p:sp>
+    </p:spTree>
+    <p:extLst>
+      <p:ext uri="{BB962C8B-B14F-4D97-AF65-F5344CB8AC3E}">
+        <p14:creationId xmlns:p14="http://schemas.microsoft.com/office/powerpoint/2010/main" val="2259232667"/>
+      </p:ext>
+    </p:extLst>
+  </p:cSld>
+  <p:clrMapOvr>
+    <a:masterClrMapping/>
+  </p:clrMapOvr>
+</p:sld>
+</file>
+
+<file path=ppt/slides/slide31.xml><?xml version="1.0" encoding="utf-8"?>
 <p:sld xmlns:a="http://schemas.openxmlformats.org/drawingml/2006/main" xmlns:r="http://schemas.openxmlformats.org/officeDocument/2006/relationships" xmlns:p="http://schemas.openxmlformats.org/presentationml/2006/main">
   <p:cSld>
     <p:spTree>
@@ -16176,4 +17008,299 @@
     </a:ext>
   </a:extLst>
 </a:theme>
+</file>
+
+<file path=ppt/theme/theme2.xml><?xml version="1.0" encoding="utf-8"?>
+<a:theme xmlns:a="http://schemas.openxmlformats.org/drawingml/2006/main" name="Office Theme">
+  <a:themeElements>
+    <a:clrScheme name="Office">
+      <a:dk1>
+        <a:sysClr val="windowText" lastClr="000000"/>
+      </a:dk1>
+      <a:lt1>
+        <a:sysClr val="window" lastClr="FFFFFF"/>
+      </a:lt1>
+      <a:dk2>
+        <a:srgbClr val="44546A"/>
+      </a:dk2>
+      <a:lt2>
+        <a:srgbClr val="E7E6E6"/>
+      </a:lt2>
+      <a:accent1>
+        <a:srgbClr val="4472C4"/>
+      </a:accent1>
+      <a:accent2>
+        <a:srgbClr val="ED7D31"/>
+      </a:accent2>
+      <a:accent3>
+        <a:srgbClr val="A5A5A5"/>
+      </a:accent3>
+      <a:accent4>
+        <a:srgbClr val="FFC000"/>
+      </a:accent4>
+      <a:accent5>
+        <a:srgbClr val="5B9BD5"/>
+      </a:accent5>
+      <a:accent6>
+        <a:srgbClr val="70AD47"/>
+      </a:accent6>
+      <a:hlink>
+        <a:srgbClr val="0563C1"/>
+      </a:hlink>
+      <a:folHlink>
+        <a:srgbClr val="954F72"/>
+      </a:folHlink>
+    </a:clrScheme>
+    <a:fontScheme name="Office">
+      <a:majorFont>
+        <a:latin typeface="Calibri Light" panose="020F0302020204030204"/>
+        <a:ea typeface=""/>
+        <a:cs typeface=""/>
+        <a:font script="Jpan" typeface="游ゴシック Light"/>
+        <a:font script="Hang" typeface="맑은 고딕"/>
+        <a:font script="Hans" typeface="等线 Light"/>
+        <a:font script="Hant" typeface="新細明體"/>
+        <a:font script="Arab" typeface="Times New Roman"/>
+        <a:font script="Hebr" typeface="Times New Roman"/>
+        <a:font script="Thai" typeface="Angsana New"/>
+        <a:font script="Ethi" typeface="Nyala"/>
+        <a:font script="Beng" typeface="Vrinda"/>
+        <a:font script="Gujr" typeface="Shruti"/>
+        <a:font script="Khmr" typeface="MoolBoran"/>
+        <a:font script="Knda" typeface="Tunga"/>
+        <a:font script="Guru" typeface="Raavi"/>
+        <a:font script="Cans" typeface="Euphemia"/>
+        <a:font script="Cher" typeface="Plantagenet Cherokee"/>
+        <a:font script="Yiii" typeface="Microsoft Yi Baiti"/>
+        <a:font script="Tibt" typeface="Microsoft Himalaya"/>
+        <a:font script="Thaa" typeface="MV Boli"/>
+        <a:font script="Deva" typeface="Mangal"/>
+        <a:font script="Telu" typeface="Gautami"/>
+        <a:font script="Taml" typeface="Latha"/>
+        <a:font script="Syrc" typeface="Estrangelo Edessa"/>
+        <a:font script="Orya" typeface="Kalinga"/>
+        <a:font script="Mlym" typeface="Kartika"/>
+        <a:font script="Laoo" typeface="DokChampa"/>
+        <a:font script="Sinh" typeface="Iskoola Pota"/>
+        <a:font script="Mong" typeface="Mongolian Baiti"/>
+        <a:font script="Viet" typeface="Times New Roman"/>
+        <a:font script="Uigh" typeface="Microsoft Uighur"/>
+        <a:font script="Geor" typeface="Sylfaen"/>
+        <a:font script="Armn" typeface="Arial"/>
+        <a:font script="Bugi" typeface="Leelawadee UI"/>
+        <a:font script="Bopo" typeface="Microsoft JhengHei"/>
+        <a:font script="Java" typeface="Javanese Text"/>
+        <a:font script="Lisu" typeface="Segoe UI"/>
+        <a:font script="Mymr" typeface="Myanmar Text"/>
+        <a:font script="Nkoo" typeface="Ebrima"/>
+        <a:font script="Olck" typeface="Nirmala UI"/>
+        <a:font script="Osma" typeface="Ebrima"/>
+        <a:font script="Phag" typeface="Phagspa"/>
+        <a:font script="Syrn" typeface="Estrangelo Edessa"/>
+        <a:font script="Syrj" typeface="Estrangelo Edessa"/>
+        <a:font script="Syre" typeface="Estrangelo Edessa"/>
+        <a:font script="Sora" typeface="Nirmala UI"/>
+        <a:font script="Tale" typeface="Microsoft Tai Le"/>
+        <a:font script="Talu" typeface="Microsoft New Tai Lue"/>
+        <a:font script="Tfng" typeface="Ebrima"/>
+      </a:majorFont>
+      <a:minorFont>
+        <a:latin typeface="Calibri" panose="020F0502020204030204"/>
+        <a:ea typeface=""/>
+        <a:cs typeface=""/>
+        <a:font script="Jpan" typeface="游ゴシック"/>
+        <a:font script="Hang" typeface="맑은 고딕"/>
+        <a:font script="Hans" typeface="等线"/>
+        <a:font script="Hant" typeface="新細明體"/>
+        <a:font script="Arab" typeface="Arial"/>
+        <a:font script="Hebr" typeface="Arial"/>
+        <a:font script="Thai" typeface="Cordia New"/>
+        <a:font script="Ethi" typeface="Nyala"/>
+        <a:font script="Beng" typeface="Vrinda"/>
+        <a:font script="Gujr" typeface="Shruti"/>
+        <a:font script="Khmr" typeface="DaunPenh"/>
+        <a:font script="Knda" typeface="Tunga"/>
+        <a:font script="Guru" typeface="Raavi"/>
+        <a:font script="Cans" typeface="Euphemia"/>
+        <a:font script="Cher" typeface="Plantagenet Cherokee"/>
+        <a:font script="Yiii" typeface="Microsoft Yi Baiti"/>
+        <a:font script="Tibt" typeface="Microsoft Himalaya"/>
+        <a:font script="Thaa" typeface="MV Boli"/>
+        <a:font script="Deva" typeface="Mangal"/>
+        <a:font script="Telu" typeface="Gautami"/>
+        <a:font script="Taml" typeface="Latha"/>
+        <a:font script="Syrc" typeface="Estrangelo Edessa"/>
+        <a:font script="Orya" typeface="Kalinga"/>
+        <a:font script="Mlym" typeface="Kartika"/>
+        <a:font script="Laoo" typeface="DokChampa"/>
+        <a:font script="Sinh" typeface="Iskoola Pota"/>
+        <a:font script="Mong" typeface="Mongolian Baiti"/>
+        <a:font script="Viet" typeface="Arial"/>
+        <a:font script="Uigh" typeface="Microsoft Uighur"/>
+        <a:font script="Geor" typeface="Sylfaen"/>
+        <a:font script="Armn" typeface="Arial"/>
+        <a:font script="Bugi" typeface="Leelawadee UI"/>
+        <a:font script="Bopo" typeface="Microsoft JhengHei"/>
+        <a:font script="Java" typeface="Javanese Text"/>
+        <a:font script="Lisu" typeface="Segoe UI"/>
+        <a:font script="Mymr" typeface="Myanmar Text"/>
+        <a:font script="Nkoo" typeface="Ebrima"/>
+        <a:font script="Olck" typeface="Nirmala UI"/>
+        <a:font script="Osma" typeface="Ebrima"/>
+        <a:font script="Phag" typeface="Phagspa"/>
+        <a:font script="Syrn" typeface="Estrangelo Edessa"/>
+        <a:font script="Syrj" typeface="Estrangelo Edessa"/>
+        <a:font script="Syre" typeface="Estrangelo Edessa"/>
+        <a:font script="Sora" typeface="Nirmala UI"/>
+        <a:font script="Tale" typeface="Microsoft Tai Le"/>
+        <a:font script="Talu" typeface="Microsoft New Tai Lue"/>
+        <a:font script="Tfng" typeface="Ebrima"/>
+      </a:minorFont>
+    </a:fontScheme>
+    <a:fmtScheme name="Office">
+      <a:fillStyleLst>
+        <a:solidFill>
+          <a:schemeClr val="phClr"/>
+        </a:solidFill>
+        <a:gradFill rotWithShape="1">
+          <a:gsLst>
+            <a:gs pos="0">
+              <a:schemeClr val="phClr">
+                <a:lumMod val="110000"/>
+                <a:satMod val="105000"/>
+                <a:tint val="67000"/>
+              </a:schemeClr>
+            </a:gs>
+            <a:gs pos="50000">
+              <a:schemeClr val="phClr">
+                <a:lumMod val="105000"/>
+                <a:satMod val="103000"/>
+                <a:tint val="73000"/>
+              </a:schemeClr>
+            </a:gs>
+            <a:gs pos="100000">
+              <a:schemeClr val="phClr">
+                <a:lumMod val="105000"/>
+                <a:satMod val="109000"/>
+                <a:tint val="81000"/>
+              </a:schemeClr>
+            </a:gs>
+          </a:gsLst>
+          <a:lin ang="5400000" scaled="0"/>
+        </a:gradFill>
+        <a:gradFill rotWithShape="1">
+          <a:gsLst>
+            <a:gs pos="0">
+              <a:schemeClr val="phClr">
+                <a:satMod val="103000"/>
+                <a:lumMod val="102000"/>
+                <a:tint val="94000"/>
+              </a:schemeClr>
+            </a:gs>
+            <a:gs pos="50000">
+              <a:schemeClr val="phClr">
+                <a:satMod val="110000"/>
+                <a:lumMod val="100000"/>
+                <a:shade val="100000"/>
+              </a:schemeClr>
+            </a:gs>
+            <a:gs pos="100000">
+              <a:schemeClr val="phClr">
+                <a:lumMod val="99000"/>
+                <a:satMod val="120000"/>
+                <a:shade val="78000"/>
+              </a:schemeClr>
+            </a:gs>
+          </a:gsLst>
+          <a:lin ang="5400000" scaled="0"/>
+        </a:gradFill>
+      </a:fillStyleLst>
+      <a:lnStyleLst>
+        <a:ln w="6350" cap="flat" cmpd="sng" algn="ctr">
+          <a:solidFill>
+            <a:schemeClr val="phClr"/>
+          </a:solidFill>
+          <a:prstDash val="solid"/>
+          <a:miter lim="800000"/>
+        </a:ln>
+        <a:ln w="12700" cap="flat" cmpd="sng" algn="ctr">
+          <a:solidFill>
+            <a:schemeClr val="phClr"/>
+          </a:solidFill>
+          <a:prstDash val="solid"/>
+          <a:miter lim="800000"/>
+        </a:ln>
+        <a:ln w="19050" cap="flat" cmpd="sng" algn="ctr">
+          <a:solidFill>
+            <a:schemeClr val="phClr"/>
+          </a:solidFill>
+          <a:prstDash val="solid"/>
+          <a:miter lim="800000"/>
+        </a:ln>
+      </a:lnStyleLst>
+      <a:effectStyleLst>
+        <a:effectStyle>
+          <a:effectLst/>
+        </a:effectStyle>
+        <a:effectStyle>
+          <a:effectLst/>
+        </a:effectStyle>
+        <a:effectStyle>
+          <a:effectLst>
+            <a:outerShdw blurRad="57150" dist="19050" dir="5400000" algn="ctr" rotWithShape="0">
+              <a:srgbClr val="000000">
+                <a:alpha val="63000"/>
+              </a:srgbClr>
+            </a:outerShdw>
+          </a:effectLst>
+        </a:effectStyle>
+      </a:effectStyleLst>
+      <a:bgFillStyleLst>
+        <a:solidFill>
+          <a:schemeClr val="phClr"/>
+        </a:solidFill>
+        <a:solidFill>
+          <a:schemeClr val="phClr">
+            <a:tint val="95000"/>
+            <a:satMod val="170000"/>
+          </a:schemeClr>
+        </a:solidFill>
+        <a:gradFill rotWithShape="1">
+          <a:gsLst>
+            <a:gs pos="0">
+              <a:schemeClr val="phClr">
+                <a:tint val="93000"/>
+                <a:satMod val="150000"/>
+                <a:shade val="98000"/>
+                <a:lumMod val="102000"/>
+              </a:schemeClr>
+            </a:gs>
+            <a:gs pos="50000">
+              <a:schemeClr val="phClr">
+                <a:tint val="98000"/>
+                <a:satMod val="130000"/>
+                <a:shade val="90000"/>
+                <a:lumMod val="103000"/>
+              </a:schemeClr>
+            </a:gs>
+            <a:gs pos="100000">
+              <a:schemeClr val="phClr">
+                <a:shade val="63000"/>
+                <a:satMod val="120000"/>
+              </a:schemeClr>
+            </a:gs>
+          </a:gsLst>
+          <a:lin ang="5400000" scaled="0"/>
+        </a:gradFill>
+      </a:bgFillStyleLst>
+    </a:fmtScheme>
+  </a:themeElements>
+  <a:objectDefaults/>
+  <a:extraClrSchemeLst/>
+  <a:extLst>
+    <a:ext uri="{05A4C25C-085E-4340-85A3-A5531E510DB2}">
+      <thm15:themeFamily xmlns:thm15="http://schemas.microsoft.com/office/thememl/2012/main" name="Office Theme" id="{62F939B6-93AF-4DB8-9C6B-D6C7DFDC589F}" vid="{4A3C46E8-61CC-4603-A589-7422A47A8E4A}"/>
+    </a:ext>
+  </a:extLst>
+</a:theme>
 </file>